--- a/docs/17zjy��վ�������.pptx
+++ b/docs/17zjy��վ�������.pptx
@@ -273,7 +273,7 @@
               <a:pPr>
                 <a:defRPr/>
               </a:pPr>
-              <a:t>2012-03-21</a:t>
+              <a:t>2012-03-22</a:t>
             </a:fld>
             <a:endParaRPr lang="en-US" altLang="zh-CN"/>
           </a:p>
@@ -808,7 +808,7 @@
               <a:pPr>
                 <a:defRPr/>
               </a:pPr>
-              <a:t>2012-03-21</a:t>
+              <a:t>2012-03-22</a:t>
             </a:fld>
             <a:endParaRPr lang="en-US" altLang="zh-CN"/>
           </a:p>
@@ -1000,7 +1000,7 @@
               <a:pPr>
                 <a:defRPr/>
               </a:pPr>
-              <a:t>2012-03-21</a:t>
+              <a:t>2012-03-22</a:t>
             </a:fld>
             <a:endParaRPr lang="en-US" altLang="zh-CN"/>
           </a:p>
@@ -1202,7 +1202,7 @@
               <a:pPr>
                 <a:defRPr/>
               </a:pPr>
-              <a:t>2012-03-21</a:t>
+              <a:t>2012-03-22</a:t>
             </a:fld>
             <a:endParaRPr lang="en-US" altLang="zh-CN"/>
           </a:p>
@@ -1527,7 +1527,7 @@
               <a:pPr>
                 <a:defRPr/>
               </a:pPr>
-              <a:t>2012-03-21</a:t>
+              <a:t>2012-03-22</a:t>
             </a:fld>
             <a:endParaRPr lang="en-US" altLang="zh-CN"/>
           </a:p>
@@ -1837,7 +1837,7 @@
               <a:pPr>
                 <a:defRPr/>
               </a:pPr>
-              <a:t>2012-03-21</a:t>
+              <a:t>2012-03-22</a:t>
             </a:fld>
             <a:endParaRPr lang="en-US" altLang="zh-CN"/>
           </a:p>
@@ -2286,7 +2286,7 @@
               <a:pPr>
                 <a:defRPr/>
               </a:pPr>
-              <a:t>2012-03-21</a:t>
+              <a:t>2012-03-22</a:t>
             </a:fld>
             <a:endParaRPr lang="en-US" altLang="zh-CN"/>
           </a:p>
@@ -2426,7 +2426,7 @@
               <a:pPr>
                 <a:defRPr/>
               </a:pPr>
-              <a:t>2012-03-21</a:t>
+              <a:t>2012-03-22</a:t>
             </a:fld>
             <a:endParaRPr lang="en-US" altLang="zh-CN"/>
           </a:p>
@@ -2543,7 +2543,7 @@
               <a:pPr>
                 <a:defRPr/>
               </a:pPr>
-              <a:t>2012-03-21</a:t>
+              <a:t>2012-03-22</a:t>
             </a:fld>
             <a:endParaRPr lang="en-US" altLang="zh-CN"/>
           </a:p>
@@ -2842,7 +2842,7 @@
               <a:pPr>
                 <a:defRPr/>
               </a:pPr>
-              <a:t>2012-03-21</a:t>
+              <a:t>2012-03-22</a:t>
             </a:fld>
             <a:endParaRPr lang="en-US" altLang="zh-CN"/>
           </a:p>
@@ -3120,7 +3120,7 @@
               <a:pPr>
                 <a:defRPr/>
               </a:pPr>
-              <a:t>2012-03-21</a:t>
+              <a:t>2012-03-22</a:t>
             </a:fld>
             <a:endParaRPr lang="en-US" altLang="zh-CN"/>
           </a:p>
@@ -3372,7 +3372,7 @@
               <a:pPr>
                 <a:defRPr/>
               </a:pPr>
-              <a:t>2012-03-21</a:t>
+              <a:t>2012-03-22</a:t>
             </a:fld>
             <a:endParaRPr lang="en-US" altLang="zh-CN"/>
           </a:p>
@@ -3907,44 +3907,6 @@
           <a:chExt cx="0" cy="0"/>
         </a:xfrm>
       </p:grpSpPr>
-      <p:sp>
-        <p:nvSpPr>
-          <p:cNvPr id="2" name="标题 1"/>
-          <p:cNvSpPr>
-            <a:spLocks noGrp="1"/>
-          </p:cNvSpPr>
-          <p:nvPr>
-            <p:ph type="ctrTitle"/>
-          </p:nvPr>
-        </p:nvSpPr>
-        <p:spPr/>
-        <p:txBody>
-          <a:bodyPr/>
-          <a:lstStyle/>
-          <a:p>
-            <a:endParaRPr lang="zh-CN" altLang="en-US"/>
-          </a:p>
-        </p:txBody>
-      </p:sp>
-      <p:sp>
-        <p:nvSpPr>
-          <p:cNvPr id="3" name="副标题 2"/>
-          <p:cNvSpPr>
-            <a:spLocks noGrp="1"/>
-          </p:cNvSpPr>
-          <p:nvPr>
-            <p:ph type="subTitle" idx="1"/>
-          </p:nvPr>
-        </p:nvSpPr>
-        <p:spPr/>
-        <p:txBody>
-          <a:bodyPr/>
-          <a:lstStyle/>
-          <a:p>
-            <a:endParaRPr lang="zh-CN" altLang="en-US"/>
-          </a:p>
-        </p:txBody>
-      </p:sp>
     </p:spTree>
     <p:extLst>
       <p:ext uri="{BB962C8B-B14F-4D97-AF65-F5344CB8AC3E}">

--- a/docs/17zjy��վ�������.pptx
+++ b/docs/17zjy��վ�������.pptx
@@ -25,25 +25,25 @@
   <p:notesSz cx="6858000" cy="9144000"/>
   <p:embeddedFontLst>
     <p:embeddedFont>
-      <p:font typeface="Century Gothic" pitchFamily="34" charset="0"/>
+      <p:font typeface="Palatino Linotype" pitchFamily="18" charset="0"/>
       <p:regular r:id="rId15"/>
       <p:bold r:id="rId16"/>
       <p:italic r:id="rId17"/>
       <p:boldItalic r:id="rId18"/>
     </p:embeddedFont>
     <p:embeddedFont>
-      <p:font typeface="幼圆" pitchFamily="49" charset="-122"/>
+      <p:font typeface="华文新魏" pitchFamily="2" charset="-122"/>
       <p:regular r:id="rId19"/>
     </p:embeddedFont>
     <p:embeddedFont>
-      <p:font typeface="Palatino Linotype" pitchFamily="18" charset="0"/>
+      <p:font typeface="Century Gothic" pitchFamily="34" charset="0"/>
       <p:regular r:id="rId20"/>
       <p:bold r:id="rId21"/>
       <p:italic r:id="rId22"/>
       <p:boldItalic r:id="rId23"/>
     </p:embeddedFont>
     <p:embeddedFont>
-      <p:font typeface="华文新魏" pitchFamily="2" charset="-122"/>
+      <p:font typeface="幼圆" pitchFamily="49" charset="-122"/>
       <p:regular r:id="rId24"/>
     </p:embeddedFont>
   </p:embeddedFontLst>
@@ -5399,6 +5399,94 @@
           </a:p>
         </p:txBody>
       </p:sp>
+      <p:sp>
+        <p:nvSpPr>
+          <p:cNvPr id="20" name="对角圆角矩形 19"/>
+          <p:cNvSpPr/>
+          <p:nvPr/>
+        </p:nvSpPr>
+        <p:spPr>
+          <a:xfrm>
+            <a:off x="1217280" y="2661233"/>
+            <a:ext cx="1582910" cy="583990"/>
+          </a:xfrm>
+          <a:prstGeom prst="round2DiagRect">
+            <a:avLst/>
+          </a:prstGeom>
+          <a:gradFill>
+            <a:gsLst>
+              <a:gs pos="0">
+                <a:srgbClr val="5E9EFF"/>
+              </a:gs>
+              <a:gs pos="39999">
+                <a:srgbClr val="85C2FF"/>
+              </a:gs>
+              <a:gs pos="70000">
+                <a:srgbClr val="C4D6EB"/>
+              </a:gs>
+              <a:gs pos="100000">
+                <a:srgbClr val="FFEBFA"/>
+              </a:gs>
+            </a:gsLst>
+            <a:lin ang="5400000" scaled="0"/>
+          </a:gradFill>
+          <a:ln>
+            <a:noFill/>
+          </a:ln>
+        </p:spPr>
+        <p:style>
+          <a:lnRef idx="2">
+            <a:schemeClr val="accent1">
+              <a:shade val="50000"/>
+            </a:schemeClr>
+          </a:lnRef>
+          <a:fillRef idx="1">
+            <a:schemeClr val="accent1"/>
+          </a:fillRef>
+          <a:effectRef idx="0">
+            <a:schemeClr val="accent1"/>
+          </a:effectRef>
+          <a:fontRef idx="minor">
+            <a:schemeClr val="lt1"/>
+          </a:fontRef>
+        </p:style>
+        <p:txBody>
+          <a:bodyPr rtlCol="0" anchor="ctr"/>
+          <a:lstStyle/>
+          <a:p>
+            <a:pPr algn="ctr"/>
+            <a:r>
+              <a:rPr lang="zh-CN" altLang="en-US" dirty="0" smtClean="0">
+                <a:solidFill>
+                  <a:schemeClr val="tx1"/>
+                </a:solidFill>
+              </a:rPr>
+              <a:t>同程团队</a:t>
+            </a:r>
+            <a:endParaRPr lang="en-US" altLang="zh-CN" dirty="0" smtClean="0">
+              <a:solidFill>
+                <a:schemeClr val="tx1"/>
+              </a:solidFill>
+            </a:endParaRPr>
+          </a:p>
+          <a:p>
+            <a:pPr algn="ctr"/>
+            <a:r>
+              <a:rPr lang="zh-CN" altLang="en-US" dirty="0" smtClean="0">
+                <a:solidFill>
+                  <a:schemeClr val="tx1"/>
+                </a:solidFill>
+              </a:rPr>
+              <a:t>边缘展示</a:t>
+            </a:r>
+            <a:endParaRPr lang="zh-CN" altLang="en-US" dirty="0">
+              <a:solidFill>
+                <a:schemeClr val="tx1"/>
+              </a:solidFill>
+            </a:endParaRPr>
+          </a:p>
+        </p:txBody>
+      </p:sp>
     </p:spTree>
     <p:extLst>
       <p:ext uri="{BB962C8B-B14F-4D97-AF65-F5344CB8AC3E}">
@@ -5533,6 +5621,13 @@
   <p:clrMapOvr>
     <a:masterClrMapping/>
   </p:clrMapOvr>
+  <p:timing>
+    <p:tnLst>
+      <p:par>
+        <p:cTn id="1" dur="indefinite" restart="never" nodeType="tmRoot"/>
+      </p:par>
+    </p:tnLst>
+  </p:timing>
 </p:sld>
 </file>
 
@@ -8617,7 +8712,7 @@
         </p:nvSpPr>
         <p:spPr>
           <a:xfrm>
-            <a:off x="883920" y="441960"/>
+            <a:off x="883920" y="449644"/>
             <a:ext cx="7094220" cy="342900"/>
           </a:xfrm>
           <a:prstGeom prst="rect">
@@ -8657,7 +8752,27 @@
                 <a:latin typeface="华文新魏" pitchFamily="2" charset="-122"/>
                 <a:ea typeface="华文新魏" pitchFamily="2" charset="-122"/>
               </a:rPr>
-              <a:t>首页     自驾线路     自驾旅程    自驾话题                                 登录</a:t>
+              <a:t>首页     自驾线路     自驾旅程    自驾</a:t>
+            </a:r>
+            <a:r>
+              <a:rPr lang="zh-CN" altLang="en-US" sz="1600" dirty="0" smtClean="0">
+                <a:solidFill>
+                  <a:schemeClr val="tx1"/>
+                </a:solidFill>
+                <a:latin typeface="华文新魏" pitchFamily="2" charset="-122"/>
+                <a:ea typeface="华文新魏" pitchFamily="2" charset="-122"/>
+              </a:rPr>
+              <a:t>话题  自驾车辆英雄榜                        </a:t>
+            </a:r>
+            <a:r>
+              <a:rPr lang="zh-CN" altLang="en-US" sz="1600" dirty="0" smtClean="0">
+                <a:solidFill>
+                  <a:schemeClr val="tx1"/>
+                </a:solidFill>
+                <a:latin typeface="华文新魏" pitchFamily="2" charset="-122"/>
+                <a:ea typeface="华文新魏" pitchFamily="2" charset="-122"/>
+              </a:rPr>
+              <a:t>登录</a:t>
             </a:r>
             <a:endParaRPr lang="zh-CN" altLang="en-US" sz="1600" dirty="0">
               <a:solidFill>
@@ -17679,6 +17794,78 @@
           </a:fontRef>
         </p:style>
       </p:cxnSp>
+      <p:sp>
+        <p:nvSpPr>
+          <p:cNvPr id="52" name="单圆角矩形 51"/>
+          <p:cNvSpPr/>
+          <p:nvPr/>
+        </p:nvSpPr>
+        <p:spPr>
+          <a:xfrm>
+            <a:off x="7206733" y="2824267"/>
+            <a:ext cx="899608" cy="224790"/>
+          </a:xfrm>
+          <a:prstGeom prst="snipRoundRect">
+            <a:avLst/>
+          </a:prstGeom>
+          <a:gradFill>
+            <a:gsLst>
+              <a:gs pos="0">
+                <a:srgbClr val="8488C4"/>
+              </a:gs>
+              <a:gs pos="53000">
+                <a:srgbClr val="D4DEFF"/>
+              </a:gs>
+              <a:gs pos="83000">
+                <a:srgbClr val="D4DEFF"/>
+              </a:gs>
+              <a:gs pos="100000">
+                <a:srgbClr val="96AB94"/>
+              </a:gs>
+            </a:gsLst>
+            <a:lin ang="5400000" scaled="0"/>
+          </a:gradFill>
+          <a:ln>
+            <a:noFill/>
+          </a:ln>
+        </p:spPr>
+        <p:style>
+          <a:lnRef idx="2">
+            <a:schemeClr val="accent1">
+              <a:shade val="50000"/>
+            </a:schemeClr>
+          </a:lnRef>
+          <a:fillRef idx="1">
+            <a:schemeClr val="accent1"/>
+          </a:fillRef>
+          <a:effectRef idx="0">
+            <a:schemeClr val="accent1"/>
+          </a:effectRef>
+          <a:fontRef idx="minor">
+            <a:schemeClr val="lt1"/>
+          </a:fontRef>
+        </p:style>
+        <p:txBody>
+          <a:bodyPr rtlCol="0" anchor="ctr"/>
+          <a:lstStyle/>
+          <a:p>
+            <a:pPr algn="ctr"/>
+            <a:r>
+              <a:rPr lang="zh-CN" altLang="en-US" sz="1050" smtClean="0">
+                <a:solidFill>
+                  <a:schemeClr val="tx1"/>
+                </a:solidFill>
+              </a:rPr>
+              <a:t>推荐车辆（租车网）</a:t>
+            </a:r>
+            <a:endParaRPr lang="zh-CN" altLang="en-US" sz="1050" dirty="0">
+              <a:solidFill>
+                <a:schemeClr val="tx1"/>
+              </a:solidFill>
+            </a:endParaRPr>
+          </a:p>
+        </p:txBody>
+      </p:sp>
     </p:spTree>
     <p:extLst>
       <p:ext uri="{BB962C8B-B14F-4D97-AF65-F5344CB8AC3E}">

--- a/docs/17zjy��վ�������.pptx
+++ b/docs/17zjy��վ�������.pptx
@@ -25,25 +25,25 @@
   <p:notesSz cx="6858000" cy="9144000"/>
   <p:embeddedFontLst>
     <p:embeddedFont>
-      <p:font typeface="Palatino Linotype" pitchFamily="18" charset="0"/>
+      <p:font typeface="Century Gothic" pitchFamily="34" charset="0"/>
       <p:regular r:id="rId15"/>
       <p:bold r:id="rId16"/>
       <p:italic r:id="rId17"/>
       <p:boldItalic r:id="rId18"/>
     </p:embeddedFont>
     <p:embeddedFont>
-      <p:font typeface="华文新魏" pitchFamily="2" charset="-122"/>
+      <p:font typeface="幼圆" pitchFamily="49" charset="-122"/>
       <p:regular r:id="rId19"/>
     </p:embeddedFont>
     <p:embeddedFont>
-      <p:font typeface="Century Gothic" pitchFamily="34" charset="0"/>
+      <p:font typeface="Palatino Linotype" pitchFamily="18" charset="0"/>
       <p:regular r:id="rId20"/>
       <p:bold r:id="rId21"/>
       <p:italic r:id="rId22"/>
       <p:boldItalic r:id="rId23"/>
     </p:embeddedFont>
     <p:embeddedFont>
-      <p:font typeface="幼圆" pitchFamily="49" charset="-122"/>
+      <p:font typeface="华文新魏" pitchFamily="2" charset="-122"/>
       <p:regular r:id="rId24"/>
     </p:embeddedFont>
   </p:embeddedFontLst>
@@ -299,7 +299,7 @@
               <a:pPr>
                 <a:defRPr/>
               </a:pPr>
-              <a:t>2012-03-25</a:t>
+              <a:t>2012-03-29</a:t>
             </a:fld>
             <a:endParaRPr lang="en-US" altLang="zh-CN"/>
           </a:p>
@@ -1035,7 +1035,7 @@
               <a:pPr>
                 <a:defRPr/>
               </a:pPr>
-              <a:t>2012-03-25</a:t>
+              <a:t>2012-03-29</a:t>
             </a:fld>
             <a:endParaRPr lang="en-US" altLang="zh-CN"/>
           </a:p>
@@ -1222,7 +1222,7 @@
               <a:pPr>
                 <a:defRPr/>
               </a:pPr>
-              <a:t>2012-03-25</a:t>
+              <a:t>2012-03-29</a:t>
             </a:fld>
             <a:endParaRPr lang="en-US" altLang="zh-CN"/>
           </a:p>
@@ -1412,7 +1412,7 @@
               <a:pPr>
                 <a:defRPr/>
               </a:pPr>
-              <a:t>2012-03-25</a:t>
+              <a:t>2012-03-29</a:t>
             </a:fld>
             <a:endParaRPr lang="en-US" altLang="zh-CN"/>
           </a:p>
@@ -1606,7 +1606,7 @@
               <a:pPr>
                 <a:defRPr/>
               </a:pPr>
-              <a:t>2012-03-25</a:t>
+              <a:t>2012-03-29</a:t>
             </a:fld>
             <a:endParaRPr lang="en-US" altLang="zh-CN"/>
           </a:p>
@@ -1890,7 +1890,7 @@
               <a:pPr>
                 <a:defRPr/>
               </a:pPr>
-              <a:t>2012-03-25</a:t>
+              <a:t>2012-03-29</a:t>
             </a:fld>
             <a:endParaRPr lang="en-US" altLang="zh-CN"/>
           </a:p>
@@ -2253,7 +2253,7 @@
               <a:pPr>
                 <a:defRPr/>
               </a:pPr>
-              <a:t>2012-03-25</a:t>
+              <a:t>2012-03-29</a:t>
             </a:fld>
             <a:endParaRPr lang="en-US" altLang="zh-CN"/>
           </a:p>
@@ -2576,7 +2576,7 @@
               <a:pPr>
                 <a:defRPr/>
               </a:pPr>
-              <a:t>2012-03-25</a:t>
+              <a:t>2012-03-29</a:t>
             </a:fld>
             <a:endParaRPr lang="en-US" altLang="zh-CN"/>
           </a:p>
@@ -2818,7 +2818,7 @@
               <a:pPr>
                 <a:defRPr/>
               </a:pPr>
-              <a:t>2012-03-25</a:t>
+              <a:t>2012-03-29</a:t>
             </a:fld>
             <a:endParaRPr lang="en-US" altLang="zh-CN"/>
           </a:p>
@@ -2923,7 +2923,7 @@
               <a:pPr>
                 <a:defRPr/>
               </a:pPr>
-              <a:t>2012-03-25</a:t>
+              <a:t>2012-03-29</a:t>
             </a:fld>
             <a:endParaRPr lang="en-US" altLang="zh-CN"/>
           </a:p>
@@ -3226,7 +3226,7 @@
               <a:pPr>
                 <a:defRPr/>
               </a:pPr>
-              <a:t>2012-03-25</a:t>
+              <a:t>2012-03-29</a:t>
             </a:fld>
             <a:endParaRPr lang="en-US" altLang="zh-CN"/>
           </a:p>
@@ -3510,7 +3510,7 @@
               <a:pPr>
                 <a:defRPr/>
               </a:pPr>
-              <a:t>2012-03-25</a:t>
+              <a:t>2012-03-29</a:t>
             </a:fld>
             <a:endParaRPr lang="en-US" altLang="zh-CN"/>
           </a:p>
@@ -3735,7 +3735,7 @@
               <a:pPr>
                 <a:defRPr/>
               </a:pPr>
-              <a:t>2012-03-25</a:t>
+              <a:t>2012-03-29</a:t>
             </a:fld>
             <a:endParaRPr lang="en-US" altLang="zh-CN"/>
           </a:p>
@@ -8752,27 +8752,7 @@
                 <a:latin typeface="华文新魏" pitchFamily="2" charset="-122"/>
                 <a:ea typeface="华文新魏" pitchFamily="2" charset="-122"/>
               </a:rPr>
-              <a:t>首页     自驾线路     自驾旅程    自驾</a:t>
-            </a:r>
-            <a:r>
-              <a:rPr lang="zh-CN" altLang="en-US" sz="1600" dirty="0" smtClean="0">
-                <a:solidFill>
-                  <a:schemeClr val="tx1"/>
-                </a:solidFill>
-                <a:latin typeface="华文新魏" pitchFamily="2" charset="-122"/>
-                <a:ea typeface="华文新魏" pitchFamily="2" charset="-122"/>
-              </a:rPr>
-              <a:t>话题  自驾车辆英雄榜                        </a:t>
-            </a:r>
-            <a:r>
-              <a:rPr lang="zh-CN" altLang="en-US" sz="1600" dirty="0" smtClean="0">
-                <a:solidFill>
-                  <a:schemeClr val="tx1"/>
-                </a:solidFill>
-                <a:latin typeface="华文新魏" pitchFamily="2" charset="-122"/>
-                <a:ea typeface="华文新魏" pitchFamily="2" charset="-122"/>
-              </a:rPr>
-              <a:t>登录</a:t>
+              <a:t>首页     自驾线路     自驾旅程    自驾话题  自驾车辆英雄榜                        登录</a:t>
             </a:r>
             <a:endParaRPr lang="zh-CN" altLang="en-US" sz="1600" dirty="0">
               <a:solidFill>
@@ -17802,7 +17782,7 @@
         </p:nvSpPr>
         <p:spPr>
           <a:xfrm>
-            <a:off x="7206733" y="2824267"/>
+            <a:off x="7982186" y="2660726"/>
             <a:ext cx="899608" cy="224790"/>
           </a:xfrm>
           <a:prstGeom prst="snipRoundRect">
@@ -17851,7 +17831,7 @@
           <a:p>
             <a:pPr algn="ctr"/>
             <a:r>
-              <a:rPr lang="zh-CN" altLang="en-US" sz="1050" smtClean="0">
+              <a:rPr lang="zh-CN" altLang="en-US" sz="1050" dirty="0" smtClean="0">
                 <a:solidFill>
                   <a:schemeClr val="tx1"/>
                 </a:solidFill>

--- a/docs/17zjy��վ�������.pptx
+++ b/docs/17zjy��վ�������.pptx
@@ -5,7 +5,7 @@
     <p:sldMasterId id="2147483697" r:id="rId1"/>
   </p:sldMasterIdLst>
   <p:notesMasterIdLst>
-    <p:notesMasterId r:id="rId14"/>
+    <p:notesMasterId r:id="rId15"/>
   </p:notesMasterIdLst>
   <p:sldIdLst>
     <p:sldId id="256" r:id="rId2"/>
@@ -20,31 +20,32 @@
     <p:sldId id="264" r:id="rId11"/>
     <p:sldId id="265" r:id="rId12"/>
     <p:sldId id="267" r:id="rId13"/>
+    <p:sldId id="268" r:id="rId14"/>
   </p:sldIdLst>
   <p:sldSz cx="9144000" cy="5715000" type="screen16x10"/>
   <p:notesSz cx="6858000" cy="9144000"/>
   <p:embeddedFontLst>
     <p:embeddedFont>
+      <p:font typeface="Palatino Linotype" pitchFamily="18" charset="0"/>
+      <p:regular r:id="rId16"/>
+      <p:bold r:id="rId17"/>
+      <p:italic r:id="rId18"/>
+      <p:boldItalic r:id="rId19"/>
+    </p:embeddedFont>
+    <p:embeddedFont>
+      <p:font typeface="华文新魏" pitchFamily="2" charset="-122"/>
+      <p:regular r:id="rId20"/>
+    </p:embeddedFont>
+    <p:embeddedFont>
       <p:font typeface="Century Gothic" pitchFamily="34" charset="0"/>
-      <p:regular r:id="rId15"/>
-      <p:bold r:id="rId16"/>
-      <p:italic r:id="rId17"/>
-      <p:boldItalic r:id="rId18"/>
+      <p:regular r:id="rId21"/>
+      <p:bold r:id="rId22"/>
+      <p:italic r:id="rId23"/>
+      <p:boldItalic r:id="rId24"/>
     </p:embeddedFont>
     <p:embeddedFont>
       <p:font typeface="幼圆" pitchFamily="49" charset="-122"/>
-      <p:regular r:id="rId19"/>
-    </p:embeddedFont>
-    <p:embeddedFont>
-      <p:font typeface="Palatino Linotype" pitchFamily="18" charset="0"/>
-      <p:regular r:id="rId20"/>
-      <p:bold r:id="rId21"/>
-      <p:italic r:id="rId22"/>
-      <p:boldItalic r:id="rId23"/>
-    </p:embeddedFont>
-    <p:embeddedFont>
-      <p:font typeface="华文新魏" pitchFamily="2" charset="-122"/>
-      <p:regular r:id="rId24"/>
+      <p:regular r:id="rId25"/>
     </p:embeddedFont>
   </p:embeddedFontLst>
   <p:defaultTextStyle>
@@ -299,7 +300,7 @@
               <a:pPr>
                 <a:defRPr/>
               </a:pPr>
-              <a:t>2012-03-29</a:t>
+              <a:t>2012-05-05</a:t>
             </a:fld>
             <a:endParaRPr lang="en-US" altLang="zh-CN"/>
           </a:p>
@@ -1035,7 +1036,7 @@
               <a:pPr>
                 <a:defRPr/>
               </a:pPr>
-              <a:t>2012-03-29</a:t>
+              <a:t>2012-05-05</a:t>
             </a:fld>
             <a:endParaRPr lang="en-US" altLang="zh-CN"/>
           </a:p>
@@ -1222,7 +1223,7 @@
               <a:pPr>
                 <a:defRPr/>
               </a:pPr>
-              <a:t>2012-03-29</a:t>
+              <a:t>2012-05-05</a:t>
             </a:fld>
             <a:endParaRPr lang="en-US" altLang="zh-CN"/>
           </a:p>
@@ -1412,7 +1413,7 @@
               <a:pPr>
                 <a:defRPr/>
               </a:pPr>
-              <a:t>2012-03-29</a:t>
+              <a:t>2012-05-05</a:t>
             </a:fld>
             <a:endParaRPr lang="en-US" altLang="zh-CN"/>
           </a:p>
@@ -1606,7 +1607,7 @@
               <a:pPr>
                 <a:defRPr/>
               </a:pPr>
-              <a:t>2012-03-29</a:t>
+              <a:t>2012-05-05</a:t>
             </a:fld>
             <a:endParaRPr lang="en-US" altLang="zh-CN"/>
           </a:p>
@@ -1890,7 +1891,7 @@
               <a:pPr>
                 <a:defRPr/>
               </a:pPr>
-              <a:t>2012-03-29</a:t>
+              <a:t>2012-05-05</a:t>
             </a:fld>
             <a:endParaRPr lang="en-US" altLang="zh-CN"/>
           </a:p>
@@ -2253,7 +2254,7 @@
               <a:pPr>
                 <a:defRPr/>
               </a:pPr>
-              <a:t>2012-03-29</a:t>
+              <a:t>2012-05-05</a:t>
             </a:fld>
             <a:endParaRPr lang="en-US" altLang="zh-CN"/>
           </a:p>
@@ -2576,7 +2577,7 @@
               <a:pPr>
                 <a:defRPr/>
               </a:pPr>
-              <a:t>2012-03-29</a:t>
+              <a:t>2012-05-05</a:t>
             </a:fld>
             <a:endParaRPr lang="en-US" altLang="zh-CN"/>
           </a:p>
@@ -2818,7 +2819,7 @@
               <a:pPr>
                 <a:defRPr/>
               </a:pPr>
-              <a:t>2012-03-29</a:t>
+              <a:t>2012-05-05</a:t>
             </a:fld>
             <a:endParaRPr lang="en-US" altLang="zh-CN"/>
           </a:p>
@@ -2923,7 +2924,7 @@
               <a:pPr>
                 <a:defRPr/>
               </a:pPr>
-              <a:t>2012-03-29</a:t>
+              <a:t>2012-05-05</a:t>
             </a:fld>
             <a:endParaRPr lang="en-US" altLang="zh-CN"/>
           </a:p>
@@ -3226,7 +3227,7 @@
               <a:pPr>
                 <a:defRPr/>
               </a:pPr>
-              <a:t>2012-03-29</a:t>
+              <a:t>2012-05-05</a:t>
             </a:fld>
             <a:endParaRPr lang="en-US" altLang="zh-CN"/>
           </a:p>
@@ -3510,7 +3511,7 @@
               <a:pPr>
                 <a:defRPr/>
               </a:pPr>
-              <a:t>2012-03-29</a:t>
+              <a:t>2012-05-05</a:t>
             </a:fld>
             <a:endParaRPr lang="en-US" altLang="zh-CN"/>
           </a:p>
@@ -3735,7 +3736,7 @@
               <a:pPr>
                 <a:defRPr/>
               </a:pPr>
-              <a:t>2012-03-29</a:t>
+              <a:t>2012-05-05</a:t>
             </a:fld>
             <a:endParaRPr lang="en-US" altLang="zh-CN"/>
           </a:p>
@@ -4454,7 +4455,7 @@
         </p:nvSpPr>
         <p:spPr>
           <a:xfrm>
-            <a:off x="1190385" y="1964555"/>
+            <a:off x="2272553" y="1908219"/>
             <a:ext cx="1582910" cy="468726"/>
           </a:xfrm>
           <a:prstGeom prst="round2DiagRect">
@@ -4526,7 +4527,7 @@
         </p:nvSpPr>
         <p:spPr>
           <a:xfrm>
-            <a:off x="2994852" y="1964555"/>
+            <a:off x="509386" y="1887718"/>
             <a:ext cx="1582910" cy="468726"/>
           </a:xfrm>
           <a:prstGeom prst="round2DiagRect">
@@ -4592,13 +4593,13 @@
       </p:sp>
       <p:sp>
         <p:nvSpPr>
-          <p:cNvPr id="5" name="对角圆角矩形 4"/>
+          <p:cNvPr id="6" name="对角圆角矩形 5"/>
           <p:cNvSpPr/>
           <p:nvPr/>
         </p:nvSpPr>
         <p:spPr>
           <a:xfrm>
-            <a:off x="4661646" y="1964555"/>
+            <a:off x="5796965" y="1887718"/>
             <a:ext cx="1582910" cy="468726"/>
           </a:xfrm>
           <a:prstGeom prst="round2DiagRect">
@@ -4652,7 +4653,7 @@
                   <a:schemeClr val="tx1"/>
                 </a:solidFill>
               </a:rPr>
-              <a:t>我的座驾</a:t>
+              <a:t>旅程回忆</a:t>
             </a:r>
             <a:endParaRPr lang="zh-CN" altLang="en-US" dirty="0">
               <a:solidFill>
@@ -4664,85 +4665,13 @@
       </p:sp>
       <p:sp>
         <p:nvSpPr>
-          <p:cNvPr id="6" name="对角圆角矩形 5"/>
-          <p:cNvSpPr/>
-          <p:nvPr/>
-        </p:nvSpPr>
-        <p:spPr>
-          <a:xfrm>
-            <a:off x="6396956" y="1945350"/>
-            <a:ext cx="1582910" cy="468726"/>
-          </a:xfrm>
-          <a:prstGeom prst="round2DiagRect">
-            <a:avLst/>
-          </a:prstGeom>
-          <a:gradFill>
-            <a:gsLst>
-              <a:gs pos="0">
-                <a:srgbClr val="5E9EFF"/>
-              </a:gs>
-              <a:gs pos="39999">
-                <a:srgbClr val="85C2FF"/>
-              </a:gs>
-              <a:gs pos="70000">
-                <a:srgbClr val="C4D6EB"/>
-              </a:gs>
-              <a:gs pos="100000">
-                <a:srgbClr val="FFEBFA"/>
-              </a:gs>
-            </a:gsLst>
-            <a:lin ang="5400000" scaled="0"/>
-          </a:gradFill>
-          <a:ln>
-            <a:noFill/>
-          </a:ln>
-        </p:spPr>
-        <p:style>
-          <a:lnRef idx="2">
-            <a:schemeClr val="accent1">
-              <a:shade val="50000"/>
-            </a:schemeClr>
-          </a:lnRef>
-          <a:fillRef idx="1">
-            <a:schemeClr val="accent1"/>
-          </a:fillRef>
-          <a:effectRef idx="0">
-            <a:schemeClr val="accent1"/>
-          </a:effectRef>
-          <a:fontRef idx="minor">
-            <a:schemeClr val="lt1"/>
-          </a:fontRef>
-        </p:style>
-        <p:txBody>
-          <a:bodyPr rtlCol="0" anchor="ctr"/>
-          <a:lstStyle/>
-          <a:p>
-            <a:pPr algn="ctr"/>
-            <a:r>
-              <a:rPr lang="zh-CN" altLang="en-US" dirty="0" smtClean="0">
-                <a:solidFill>
-                  <a:schemeClr val="tx1"/>
-                </a:solidFill>
-              </a:rPr>
-              <a:t>旅程回忆</a:t>
-            </a:r>
-            <a:endParaRPr lang="zh-CN" altLang="en-US" dirty="0">
-              <a:solidFill>
-                <a:schemeClr val="tx1"/>
-              </a:solidFill>
-            </a:endParaRPr>
-          </a:p>
-        </p:txBody>
-      </p:sp>
-      <p:sp>
-        <p:nvSpPr>
           <p:cNvPr id="9" name="矩形 8"/>
           <p:cNvSpPr/>
           <p:nvPr/>
         </p:nvSpPr>
         <p:spPr>
           <a:xfrm>
-            <a:off x="1106502" y="737667"/>
+            <a:off x="430307" y="646737"/>
             <a:ext cx="1582910" cy="361150"/>
           </a:xfrm>
           <a:prstGeom prst="rect">
@@ -4802,7 +4731,7 @@
         </p:nvSpPr>
         <p:spPr>
           <a:xfrm>
-            <a:off x="2910969" y="742789"/>
+            <a:off x="2092296" y="646736"/>
             <a:ext cx="1582910" cy="361150"/>
           </a:xfrm>
           <a:prstGeom prst="rect">
@@ -4862,7 +4791,7 @@
         </p:nvSpPr>
         <p:spPr>
           <a:xfrm>
-            <a:off x="4661646" y="737667"/>
+            <a:off x="5440886" y="631369"/>
             <a:ext cx="1582910" cy="361150"/>
           </a:xfrm>
           <a:prstGeom prst="rect">
@@ -4924,13 +4853,13 @@
           <p:nvPr/>
         </p:nvCxnSpPr>
         <p:spPr>
-          <a:xfrm rot="16200000" flipH="1">
-            <a:off x="2797629" y="-162005"/>
-            <a:ext cx="5122" cy="1804467"/>
+          <a:xfrm rot="5400000" flipH="1" flipV="1">
+            <a:off x="2052756" y="-184257"/>
+            <a:ext cx="1" cy="1661989"/>
           </a:xfrm>
           <a:prstGeom prst="bentConnector3">
             <a:avLst>
-              <a:gd name="adj1" fmla="val -4463100"/>
+              <a:gd name="adj1" fmla="val 22860100000"/>
             </a:avLst>
           </a:prstGeom>
           <a:ln>
@@ -4957,18 +4886,18 @@
           <p:cNvPr id="19" name="肘形连接符 18"/>
           <p:cNvCxnSpPr>
             <a:stCxn id="10" idx="2"/>
-            <a:endCxn id="11" idx="2"/>
+            <a:endCxn id="30" idx="2"/>
           </p:cNvCxnSpPr>
           <p:nvPr/>
         </p:nvCxnSpPr>
         <p:spPr>
           <a:xfrm rot="5400000" flipH="1" flipV="1">
-            <a:off x="4575201" y="226039"/>
-            <a:ext cx="5122" cy="1750677"/>
+            <a:off x="3720832" y="166963"/>
+            <a:ext cx="3842" cy="1678004"/>
           </a:xfrm>
           <a:prstGeom prst="bentConnector3">
             <a:avLst>
-              <a:gd name="adj1" fmla="val -4463100"/>
+              <a:gd name="adj1" fmla="val -5950026"/>
             </a:avLst>
           </a:prstGeom>
           <a:ln>
@@ -4995,19 +4924,19 @@
           <p:cNvPr id="21" name="肘形连接符 20"/>
           <p:cNvCxnSpPr>
             <a:stCxn id="11" idx="3"/>
-            <a:endCxn id="3" idx="3"/>
+            <a:endCxn id="4" idx="3"/>
           </p:cNvCxnSpPr>
           <p:nvPr/>
         </p:nvCxnSpPr>
         <p:spPr>
           <a:xfrm flipH="1">
-            <a:off x="1981840" y="918242"/>
-            <a:ext cx="4262716" cy="1046313"/>
+            <a:off x="1300841" y="811944"/>
+            <a:ext cx="5722955" cy="1075774"/>
           </a:xfrm>
           <a:prstGeom prst="bentConnector4">
             <a:avLst>
-              <a:gd name="adj1" fmla="val -5363"/>
-              <a:gd name="adj2" fmla="val 58629"/>
+              <a:gd name="adj1" fmla="val -3994"/>
+              <a:gd name="adj2" fmla="val 58393"/>
             </a:avLst>
           </a:prstGeom>
           <a:ln>
@@ -5037,7 +4966,7 @@
         </p:nvSpPr>
         <p:spPr>
           <a:xfrm>
-            <a:off x="2994852" y="2816197"/>
+            <a:off x="509386" y="2593358"/>
             <a:ext cx="1582910" cy="361150"/>
           </a:xfrm>
           <a:prstGeom prst="rect">
@@ -5097,7 +5026,7 @@
         </p:nvSpPr>
         <p:spPr>
           <a:xfrm>
-            <a:off x="2994852" y="3275959"/>
+            <a:off x="509386" y="3053120"/>
             <a:ext cx="1582910" cy="361150"/>
           </a:xfrm>
           <a:prstGeom prst="rect">
@@ -5157,7 +5086,7 @@
         </p:nvSpPr>
         <p:spPr>
           <a:xfrm>
-            <a:off x="2994852" y="3735721"/>
+            <a:off x="509386" y="3512882"/>
             <a:ext cx="1582910" cy="361150"/>
           </a:xfrm>
           <a:prstGeom prst="rect">
@@ -5217,7 +5146,7 @@
         </p:nvSpPr>
         <p:spPr>
           <a:xfrm>
-            <a:off x="2994852" y="4187799"/>
+            <a:off x="509386" y="3964960"/>
             <a:ext cx="1582910" cy="361150"/>
           </a:xfrm>
           <a:prstGeom prst="rect">
@@ -5271,13 +5200,13 @@
       </p:sp>
       <p:sp>
         <p:nvSpPr>
-          <p:cNvPr id="27" name="椭圆形标注 26"/>
+          <p:cNvPr id="28" name="椭圆形标注 27"/>
           <p:cNvSpPr/>
           <p:nvPr/>
         </p:nvSpPr>
         <p:spPr>
           <a:xfrm>
-            <a:off x="4893544" y="4187799"/>
+            <a:off x="5953894" y="4100712"/>
             <a:ext cx="1269051" cy="759381"/>
           </a:xfrm>
           <a:prstGeom prst="wedgeEllipseCallout">
@@ -5324,7 +5253,7 @@
                   <a:schemeClr val="tx1"/>
                 </a:solidFill>
               </a:rPr>
-              <a:t>更多车辆图片</a:t>
+              <a:t>旅程图片微博</a:t>
             </a:r>
             <a:endParaRPr lang="zh-CN" altLang="en-US" sz="900" dirty="0">
               <a:solidFill>
@@ -5336,79 +5265,14 @@
       </p:sp>
       <p:sp>
         <p:nvSpPr>
-          <p:cNvPr id="28" name="椭圆形标注 27"/>
-          <p:cNvSpPr/>
-          <p:nvPr/>
-        </p:nvSpPr>
-        <p:spPr>
-          <a:xfrm>
-            <a:off x="6553885" y="4158344"/>
-            <a:ext cx="1269051" cy="759381"/>
-          </a:xfrm>
-          <a:prstGeom prst="wedgeEllipseCallout">
-            <a:avLst>
-              <a:gd name="adj1" fmla="val 976"/>
-              <a:gd name="adj2" fmla="val -282250"/>
-            </a:avLst>
-          </a:prstGeom>
-          <a:solidFill>
-            <a:schemeClr val="accent1">
-              <a:alpha val="18000"/>
-            </a:schemeClr>
-          </a:solidFill>
-          <a:ln w="12700">
-            <a:solidFill>
-              <a:schemeClr val="tx1"/>
-            </a:solidFill>
-          </a:ln>
-        </p:spPr>
-        <p:style>
-          <a:lnRef idx="2">
-            <a:schemeClr val="accent1">
-              <a:shade val="50000"/>
-            </a:schemeClr>
-          </a:lnRef>
-          <a:fillRef idx="1">
-            <a:schemeClr val="accent1"/>
-          </a:fillRef>
-          <a:effectRef idx="0">
-            <a:schemeClr val="accent1"/>
-          </a:effectRef>
-          <a:fontRef idx="minor">
-            <a:schemeClr val="lt1"/>
-          </a:fontRef>
-        </p:style>
-        <p:txBody>
-          <a:bodyPr rtlCol="0" anchor="ctr"/>
-          <a:lstStyle/>
-          <a:p>
-            <a:pPr algn="ctr"/>
-            <a:r>
-              <a:rPr lang="zh-CN" altLang="en-US" sz="900" dirty="0" smtClean="0">
-                <a:solidFill>
-                  <a:schemeClr val="tx1"/>
-                </a:solidFill>
-              </a:rPr>
-              <a:t>旅程图片微博</a:t>
-            </a:r>
-            <a:endParaRPr lang="zh-CN" altLang="en-US" sz="900" dirty="0">
-              <a:solidFill>
-                <a:schemeClr val="tx1"/>
-              </a:solidFill>
-            </a:endParaRPr>
-          </a:p>
-        </p:txBody>
-      </p:sp>
-      <p:sp>
-        <p:nvSpPr>
           <p:cNvPr id="20" name="对角圆角矩形 19"/>
           <p:cNvSpPr/>
           <p:nvPr/>
         </p:nvSpPr>
         <p:spPr>
           <a:xfrm>
-            <a:off x="1217280" y="2661233"/>
-            <a:ext cx="1582910" cy="583990"/>
+            <a:off x="7561090" y="1885164"/>
+            <a:ext cx="1582910" cy="471280"/>
           </a:xfrm>
           <a:prstGeom prst="round2DiagRect">
             <a:avLst/>
@@ -5461,7 +5325,15 @@
                   <a:schemeClr val="tx1"/>
                 </a:solidFill>
               </a:rPr>
-              <a:t>同程团队</a:t>
+              <a:t>同程</a:t>
+            </a:r>
+            <a:r>
+              <a:rPr lang="zh-CN" altLang="en-US" dirty="0" smtClean="0">
+                <a:solidFill>
+                  <a:schemeClr val="tx1"/>
+                </a:solidFill>
+              </a:rPr>
+              <a:t>团队</a:t>
             </a:r>
             <a:endParaRPr lang="en-US" altLang="zh-CN" dirty="0" smtClean="0">
               <a:solidFill>
@@ -5469,6 +5341,62 @@
               </a:solidFill>
             </a:endParaRPr>
           </a:p>
+        </p:txBody>
+      </p:sp>
+      <p:sp>
+        <p:nvSpPr>
+          <p:cNvPr id="22" name="对角圆角矩形 21"/>
+          <p:cNvSpPr/>
+          <p:nvPr/>
+        </p:nvSpPr>
+        <p:spPr>
+          <a:xfrm>
+            <a:off x="4057761" y="1887718"/>
+            <a:ext cx="1582910" cy="468726"/>
+          </a:xfrm>
+          <a:prstGeom prst="round2DiagRect">
+            <a:avLst/>
+          </a:prstGeom>
+          <a:gradFill>
+            <a:gsLst>
+              <a:gs pos="0">
+                <a:srgbClr val="5E9EFF"/>
+              </a:gs>
+              <a:gs pos="39999">
+                <a:srgbClr val="85C2FF"/>
+              </a:gs>
+              <a:gs pos="70000">
+                <a:srgbClr val="C4D6EB"/>
+              </a:gs>
+              <a:gs pos="100000">
+                <a:srgbClr val="FFEBFA"/>
+              </a:gs>
+            </a:gsLst>
+            <a:lin ang="5400000" scaled="0"/>
+          </a:gradFill>
+          <a:ln>
+            <a:noFill/>
+          </a:ln>
+        </p:spPr>
+        <p:style>
+          <a:lnRef idx="2">
+            <a:schemeClr val="accent1">
+              <a:shade val="50000"/>
+            </a:schemeClr>
+          </a:lnRef>
+          <a:fillRef idx="1">
+            <a:schemeClr val="accent1"/>
+          </a:fillRef>
+          <a:effectRef idx="0">
+            <a:schemeClr val="accent1"/>
+          </a:effectRef>
+          <a:fontRef idx="minor">
+            <a:schemeClr val="lt1"/>
+          </a:fontRef>
+        </p:style>
+        <p:txBody>
+          <a:bodyPr rtlCol="0" anchor="ctr"/>
+          <a:lstStyle/>
           <a:p>
             <a:pPr algn="ctr"/>
             <a:r>
@@ -5477,9 +5405,391 @@
                   <a:schemeClr val="tx1"/>
                 </a:solidFill>
               </a:rPr>
-              <a:t>边缘展示</a:t>
+              <a:t> 行程讨论</a:t>
             </a:r>
             <a:endParaRPr lang="zh-CN" altLang="en-US" dirty="0">
+              <a:solidFill>
+                <a:schemeClr val="tx1"/>
+              </a:solidFill>
+            </a:endParaRPr>
+          </a:p>
+        </p:txBody>
+      </p:sp>
+      <p:sp>
+        <p:nvSpPr>
+          <p:cNvPr id="29" name="对角圆角矩形 28"/>
+          <p:cNvSpPr/>
+          <p:nvPr/>
+        </p:nvSpPr>
+        <p:spPr>
+          <a:xfrm>
+            <a:off x="7379875" y="398281"/>
+            <a:ext cx="1582910" cy="583990"/>
+          </a:xfrm>
+          <a:prstGeom prst="round2DiagRect">
+            <a:avLst/>
+          </a:prstGeom>
+          <a:gradFill>
+            <a:gsLst>
+              <a:gs pos="0">
+                <a:srgbClr val="5E9EFF"/>
+              </a:gs>
+              <a:gs pos="39999">
+                <a:srgbClr val="85C2FF"/>
+              </a:gs>
+              <a:gs pos="70000">
+                <a:srgbClr val="C4D6EB"/>
+              </a:gs>
+              <a:gs pos="100000">
+                <a:srgbClr val="FFEBFA"/>
+              </a:gs>
+            </a:gsLst>
+            <a:lin ang="5400000" scaled="0"/>
+          </a:gradFill>
+          <a:ln>
+            <a:noFill/>
+          </a:ln>
+        </p:spPr>
+        <p:style>
+          <a:lnRef idx="2">
+            <a:schemeClr val="accent1">
+              <a:shade val="50000"/>
+            </a:schemeClr>
+          </a:lnRef>
+          <a:fillRef idx="1">
+            <a:schemeClr val="accent1"/>
+          </a:fillRef>
+          <a:effectRef idx="0">
+            <a:schemeClr val="accent1"/>
+          </a:effectRef>
+          <a:fontRef idx="minor">
+            <a:schemeClr val="lt1"/>
+          </a:fontRef>
+        </p:style>
+        <p:txBody>
+          <a:bodyPr rtlCol="0" anchor="ctr"/>
+          <a:lstStyle/>
+          <a:p>
+            <a:pPr algn="ctr"/>
+            <a:r>
+              <a:rPr lang="zh-CN" altLang="en-US" dirty="0" smtClean="0">
+                <a:solidFill>
+                  <a:schemeClr val="tx1"/>
+                </a:solidFill>
+              </a:rPr>
+              <a:t>更多详情</a:t>
+            </a:r>
+            <a:endParaRPr lang="zh-CN" altLang="en-US" dirty="0">
+              <a:solidFill>
+                <a:schemeClr val="tx1"/>
+              </a:solidFill>
+            </a:endParaRPr>
+          </a:p>
+        </p:txBody>
+      </p:sp>
+      <p:sp>
+        <p:nvSpPr>
+          <p:cNvPr id="30" name="矩形 29"/>
+          <p:cNvSpPr/>
+          <p:nvPr/>
+        </p:nvSpPr>
+        <p:spPr>
+          <a:xfrm>
+            <a:off x="3770300" y="642894"/>
+            <a:ext cx="1582910" cy="361150"/>
+          </a:xfrm>
+          <a:prstGeom prst="rect">
+            <a:avLst/>
+          </a:prstGeom>
+          <a:solidFill>
+            <a:schemeClr val="bg1"/>
+          </a:solidFill>
+          <a:ln w="12700">
+            <a:solidFill>
+              <a:schemeClr val="tx1"/>
+            </a:solidFill>
+          </a:ln>
+        </p:spPr>
+        <p:style>
+          <a:lnRef idx="2">
+            <a:schemeClr val="accent1">
+              <a:shade val="50000"/>
+            </a:schemeClr>
+          </a:lnRef>
+          <a:fillRef idx="1">
+            <a:schemeClr val="accent1"/>
+          </a:fillRef>
+          <a:effectRef idx="0">
+            <a:schemeClr val="accent1"/>
+          </a:effectRef>
+          <a:fontRef idx="minor">
+            <a:schemeClr val="lt1"/>
+          </a:fontRef>
+        </p:style>
+        <p:txBody>
+          <a:bodyPr rtlCol="0" anchor="ctr"/>
+          <a:lstStyle/>
+          <a:p>
+            <a:pPr algn="ctr"/>
+            <a:r>
+              <a:rPr lang="zh-CN" altLang="en-US" sz="1400" dirty="0" smtClean="0">
+                <a:solidFill>
+                  <a:schemeClr val="tx1"/>
+                </a:solidFill>
+              </a:rPr>
+              <a:t>设置标签）</a:t>
+            </a:r>
+            <a:endParaRPr lang="zh-CN" altLang="en-US" sz="1400" dirty="0">
+              <a:solidFill>
+                <a:schemeClr val="tx1"/>
+              </a:solidFill>
+            </a:endParaRPr>
+          </a:p>
+        </p:txBody>
+      </p:sp>
+      <p:cxnSp>
+        <p:nvCxnSpPr>
+          <p:cNvPr id="35" name="肘形连接符 34"/>
+          <p:cNvCxnSpPr>
+            <a:stCxn id="30" idx="0"/>
+            <a:endCxn id="11" idx="0"/>
+          </p:cNvCxnSpPr>
+          <p:nvPr/>
+        </p:nvCxnSpPr>
+        <p:spPr>
+          <a:xfrm rot="5400000" flipH="1" flipV="1">
+            <a:off x="5391286" y="-198161"/>
+            <a:ext cx="11525" cy="1670586"/>
+          </a:xfrm>
+          <a:prstGeom prst="bentConnector3">
+            <a:avLst>
+              <a:gd name="adj1" fmla="val 2083514"/>
+            </a:avLst>
+          </a:prstGeom>
+          <a:ln>
+            <a:tailEnd type="arrow"/>
+          </a:ln>
+        </p:spPr>
+        <p:style>
+          <a:lnRef idx="1">
+            <a:schemeClr val="accent1"/>
+          </a:lnRef>
+          <a:fillRef idx="0">
+            <a:schemeClr val="accent1"/>
+          </a:fillRef>
+          <a:effectRef idx="0">
+            <a:schemeClr val="accent1"/>
+          </a:effectRef>
+          <a:fontRef idx="minor">
+            <a:schemeClr val="tx1"/>
+          </a:fontRef>
+        </p:style>
+      </p:cxnSp>
+      <p:sp>
+        <p:nvSpPr>
+          <p:cNvPr id="38" name="对角圆角矩形 37"/>
+          <p:cNvSpPr/>
+          <p:nvPr/>
+        </p:nvSpPr>
+        <p:spPr>
+          <a:xfrm>
+            <a:off x="7379875" y="1238424"/>
+            <a:ext cx="1582910" cy="471280"/>
+          </a:xfrm>
+          <a:prstGeom prst="round2DiagRect">
+            <a:avLst/>
+          </a:prstGeom>
+          <a:gradFill>
+            <a:gsLst>
+              <a:gs pos="0">
+                <a:srgbClr val="5E9EFF"/>
+              </a:gs>
+              <a:gs pos="39999">
+                <a:srgbClr val="85C2FF"/>
+              </a:gs>
+              <a:gs pos="70000">
+                <a:srgbClr val="C4D6EB"/>
+              </a:gs>
+              <a:gs pos="100000">
+                <a:srgbClr val="FFEBFA"/>
+              </a:gs>
+            </a:gsLst>
+            <a:lin ang="5400000" scaled="0"/>
+          </a:gradFill>
+          <a:ln>
+            <a:noFill/>
+          </a:ln>
+        </p:spPr>
+        <p:style>
+          <a:lnRef idx="2">
+            <a:schemeClr val="accent1">
+              <a:shade val="50000"/>
+            </a:schemeClr>
+          </a:lnRef>
+          <a:fillRef idx="1">
+            <a:schemeClr val="accent1"/>
+          </a:fillRef>
+          <a:effectRef idx="0">
+            <a:schemeClr val="accent1"/>
+          </a:effectRef>
+          <a:fontRef idx="minor">
+            <a:schemeClr val="lt1"/>
+          </a:fontRef>
+        </p:style>
+        <p:txBody>
+          <a:bodyPr rtlCol="0" anchor="ctr"/>
+          <a:lstStyle/>
+          <a:p>
+            <a:pPr algn="ctr"/>
+            <a:r>
+              <a:rPr lang="zh-CN" altLang="en-US" dirty="0" smtClean="0">
+                <a:solidFill>
+                  <a:schemeClr val="tx1"/>
+                </a:solidFill>
+              </a:rPr>
+              <a:t>旅程足迹</a:t>
+            </a:r>
+            <a:endParaRPr lang="en-US" altLang="zh-CN" dirty="0" smtClean="0">
+              <a:solidFill>
+                <a:schemeClr val="tx1"/>
+              </a:solidFill>
+            </a:endParaRPr>
+          </a:p>
+        </p:txBody>
+      </p:sp>
+      <p:sp>
+        <p:nvSpPr>
+          <p:cNvPr id="39" name="矩形 38"/>
+          <p:cNvSpPr/>
+          <p:nvPr/>
+        </p:nvSpPr>
+        <p:spPr>
+          <a:xfrm>
+            <a:off x="2978845" y="134467"/>
+            <a:ext cx="1582910" cy="361150"/>
+          </a:xfrm>
+          <a:prstGeom prst="rect">
+            <a:avLst/>
+          </a:prstGeom>
+          <a:solidFill>
+            <a:schemeClr val="bg1"/>
+          </a:solidFill>
+          <a:ln w="12700">
+            <a:solidFill>
+              <a:schemeClr val="tx1"/>
+            </a:solidFill>
+          </a:ln>
+        </p:spPr>
+        <p:style>
+          <a:lnRef idx="2">
+            <a:schemeClr val="accent1">
+              <a:shade val="50000"/>
+            </a:schemeClr>
+          </a:lnRef>
+          <a:fillRef idx="1">
+            <a:schemeClr val="accent1"/>
+          </a:fillRef>
+          <a:effectRef idx="0">
+            <a:schemeClr val="accent1"/>
+          </a:effectRef>
+          <a:fontRef idx="minor">
+            <a:schemeClr val="lt1"/>
+          </a:fontRef>
+        </p:style>
+        <p:txBody>
+          <a:bodyPr rtlCol="0" anchor="ctr"/>
+          <a:lstStyle/>
+          <a:p>
+            <a:pPr algn="ctr"/>
+            <a:r>
+              <a:rPr lang="zh-CN" altLang="en-US" sz="1400" dirty="0" smtClean="0">
+                <a:solidFill>
+                  <a:schemeClr val="tx1"/>
+                </a:solidFill>
+              </a:rPr>
+              <a:t>设置私密</a:t>
+            </a:r>
+            <a:endParaRPr lang="zh-CN" altLang="en-US" sz="1400" dirty="0">
+              <a:solidFill>
+                <a:schemeClr val="tx1"/>
+              </a:solidFill>
+            </a:endParaRPr>
+          </a:p>
+        </p:txBody>
+      </p:sp>
+      <p:sp>
+        <p:nvSpPr>
+          <p:cNvPr id="40" name="对角圆角矩形 39"/>
+          <p:cNvSpPr/>
+          <p:nvPr/>
+        </p:nvSpPr>
+        <p:spPr>
+          <a:xfrm>
+            <a:off x="7561090" y="2508844"/>
+            <a:ext cx="1582910" cy="471280"/>
+          </a:xfrm>
+          <a:prstGeom prst="round2DiagRect">
+            <a:avLst/>
+          </a:prstGeom>
+          <a:gradFill>
+            <a:gsLst>
+              <a:gs pos="0">
+                <a:srgbClr val="5E9EFF"/>
+              </a:gs>
+              <a:gs pos="39999">
+                <a:srgbClr val="85C2FF"/>
+              </a:gs>
+              <a:gs pos="70000">
+                <a:srgbClr val="C4D6EB"/>
+              </a:gs>
+              <a:gs pos="100000">
+                <a:srgbClr val="FFEBFA"/>
+              </a:gs>
+            </a:gsLst>
+            <a:lin ang="5400000" scaled="0"/>
+          </a:gradFill>
+          <a:ln>
+            <a:noFill/>
+          </a:ln>
+        </p:spPr>
+        <p:style>
+          <a:lnRef idx="2">
+            <a:schemeClr val="accent1">
+              <a:shade val="50000"/>
+            </a:schemeClr>
+          </a:lnRef>
+          <a:fillRef idx="1">
+            <a:schemeClr val="accent1"/>
+          </a:fillRef>
+          <a:effectRef idx="0">
+            <a:schemeClr val="accent1"/>
+          </a:effectRef>
+          <a:fontRef idx="minor">
+            <a:schemeClr val="lt1"/>
+          </a:fontRef>
+        </p:style>
+        <p:txBody>
+          <a:bodyPr rtlCol="0" anchor="ctr"/>
+          <a:lstStyle/>
+          <a:p>
+            <a:pPr algn="ctr"/>
+            <a:r>
+              <a:rPr lang="zh-CN" altLang="en-US" smtClean="0">
+                <a:solidFill>
+                  <a:schemeClr val="tx1"/>
+                </a:solidFill>
+              </a:rPr>
+              <a:t>同</a:t>
+            </a:r>
+            <a:r>
+              <a:rPr lang="zh-CN" altLang="en-US" smtClean="0">
+                <a:solidFill>
+                  <a:schemeClr val="tx1"/>
+                </a:solidFill>
+              </a:rPr>
+              <a:t>程聚会</a:t>
+            </a:r>
+            <a:endParaRPr lang="en-US" altLang="zh-CN" dirty="0" smtClean="0">
               <a:solidFill>
                 <a:schemeClr val="tx1"/>
               </a:solidFill>
@@ -5545,7 +5855,11 @@
             </a:r>
             <a:r>
               <a:rPr lang="zh-CN" altLang="en-US" dirty="0" smtClean="0"/>
-              <a:t>驾游话题广场</a:t>
+              <a:t>驾</a:t>
+            </a:r>
+            <a:r>
+              <a:rPr lang="zh-CN" altLang="en-US" dirty="0" smtClean="0"/>
+              <a:t>游活动广场</a:t>
             </a:r>
             <a:endParaRPr lang="zh-CN" altLang="en-US" dirty="0"/>
           </a:p>
@@ -5605,7 +5919,7 @@
           <a:p>
             <a:r>
               <a:rPr lang="zh-CN" altLang="en-US" dirty="0" smtClean="0"/>
-              <a:t>车、人、游</a:t>
+              <a:t>个人设置</a:t>
             </a:r>
             <a:endParaRPr lang="zh-CN" altLang="en-US" dirty="0"/>
           </a:p>
@@ -5631,6 +5945,59 @@
 </p:sld>
 </file>
 
+<file path=ppt/slides/slide13.xml><?xml version="1.0" encoding="utf-8"?>
+<p:sld xmlns:a="http://schemas.openxmlformats.org/drawingml/2006/main" xmlns:r="http://schemas.openxmlformats.org/officeDocument/2006/relationships" xmlns:p="http://schemas.openxmlformats.org/presentationml/2006/main">
+  <p:cSld>
+    <p:spTree>
+      <p:nvGrpSpPr>
+        <p:cNvPr id="1" name=""/>
+        <p:cNvGrpSpPr/>
+        <p:nvPr/>
+      </p:nvGrpSpPr>
+      <p:grpSpPr>
+        <a:xfrm>
+          <a:off x="0" y="0"/>
+          <a:ext cx="0" cy="0"/>
+          <a:chOff x="0" y="0"/>
+          <a:chExt cx="0" cy="0"/>
+        </a:xfrm>
+      </p:grpSpPr>
+      <p:sp>
+        <p:nvSpPr>
+          <p:cNvPr id="2" name="标题 1"/>
+          <p:cNvSpPr>
+            <a:spLocks noGrp="1"/>
+          </p:cNvSpPr>
+          <p:nvPr>
+            <p:ph type="title"/>
+          </p:nvPr>
+        </p:nvSpPr>
+        <p:spPr/>
+        <p:txBody>
+          <a:bodyPr/>
+          <a:lstStyle/>
+          <a:p>
+            <a:r>
+              <a:rPr lang="zh-CN" altLang="en-US" dirty="0" smtClean="0"/>
+              <a:t>用户注册</a:t>
+            </a:r>
+            <a:endParaRPr lang="zh-CN" altLang="en-US" dirty="0"/>
+          </a:p>
+        </p:txBody>
+      </p:sp>
+    </p:spTree>
+    <p:extLst>
+      <p:ext uri="{BB962C8B-B14F-4D97-AF65-F5344CB8AC3E}">
+        <p14:creationId xmlns:p14="http://schemas.microsoft.com/office/powerpoint/2010/main" val="2685275218"/>
+      </p:ext>
+    </p:extLst>
+  </p:cSld>
+  <p:clrMapOvr>
+    <a:masterClrMapping/>
+  </p:clrMapOvr>
+</p:sld>
+</file>
+
 <file path=ppt/slides/slide2.xml><?xml version="1.0" encoding="utf-8"?>
 <p:sld xmlns:a="http://schemas.openxmlformats.org/drawingml/2006/main" xmlns:r="http://schemas.openxmlformats.org/officeDocument/2006/relationships" xmlns:p="http://schemas.openxmlformats.org/presentationml/2006/main">
   <p:cSld>
@@ -5893,14 +6260,94 @@
       </p:sp>
       <p:sp>
         <p:nvSpPr>
-          <p:cNvPr id="7" name="矩形 6"/>
+          <p:cNvPr id="8" name="单圆角矩形 7"/>
           <p:cNvSpPr/>
           <p:nvPr/>
         </p:nvSpPr>
         <p:spPr>
           <a:xfrm>
-            <a:off x="7025640" y="510540"/>
-            <a:ext cx="1409700" cy="1775460"/>
+            <a:off x="830580" y="2217420"/>
+            <a:ext cx="1310640" cy="449580"/>
+          </a:xfrm>
+          <a:prstGeom prst="snipRoundRect">
+            <a:avLst/>
+          </a:prstGeom>
+          <a:gradFill>
+            <a:gsLst>
+              <a:gs pos="0">
+                <a:srgbClr val="8488C4"/>
+              </a:gs>
+              <a:gs pos="53000">
+                <a:srgbClr val="D4DEFF"/>
+              </a:gs>
+              <a:gs pos="83000">
+                <a:srgbClr val="D4DEFF"/>
+              </a:gs>
+              <a:gs pos="100000">
+                <a:srgbClr val="96AB94"/>
+              </a:gs>
+            </a:gsLst>
+            <a:lin ang="5400000" scaled="0"/>
+          </a:gradFill>
+          <a:ln>
+            <a:noFill/>
+          </a:ln>
+        </p:spPr>
+        <p:style>
+          <a:lnRef idx="2">
+            <a:schemeClr val="accent1">
+              <a:shade val="50000"/>
+            </a:schemeClr>
+          </a:lnRef>
+          <a:fillRef idx="1">
+            <a:schemeClr val="accent1"/>
+          </a:fillRef>
+          <a:effectRef idx="0">
+            <a:schemeClr val="accent1"/>
+          </a:effectRef>
+          <a:fontRef idx="minor">
+            <a:schemeClr val="lt1"/>
+          </a:fontRef>
+        </p:style>
+        <p:txBody>
+          <a:bodyPr rtlCol="0" anchor="ctr"/>
+          <a:lstStyle/>
+          <a:p>
+            <a:pPr algn="ctr"/>
+            <a:r>
+              <a:rPr lang="zh-CN" altLang="en-US" dirty="0">
+                <a:solidFill>
+                  <a:schemeClr val="tx1"/>
+                </a:solidFill>
+              </a:rPr>
+              <a:t>自</a:t>
+            </a:r>
+            <a:r>
+              <a:rPr lang="zh-CN" altLang="en-US" dirty="0" smtClean="0">
+                <a:solidFill>
+                  <a:schemeClr val="tx1"/>
+                </a:solidFill>
+              </a:rPr>
+              <a:t>驾活动</a:t>
+            </a:r>
+            <a:endParaRPr lang="zh-CN" altLang="en-US" dirty="0">
+              <a:solidFill>
+                <a:schemeClr val="tx1"/>
+              </a:solidFill>
+            </a:endParaRPr>
+          </a:p>
+        </p:txBody>
+      </p:sp>
+      <p:sp>
+        <p:nvSpPr>
+          <p:cNvPr id="9" name="矩形 8"/>
+          <p:cNvSpPr/>
+          <p:nvPr/>
+        </p:nvSpPr>
+        <p:spPr>
+          <a:xfrm>
+            <a:off x="731520" y="2667000"/>
+            <a:ext cx="6195060" cy="45719"/>
           </a:xfrm>
           <a:prstGeom prst="rect">
             <a:avLst/>
@@ -5922,6 +6369,9 @@
             </a:gsLst>
             <a:lin ang="5400000" scaled="0"/>
           </a:gradFill>
+          <a:ln>
+            <a:noFill/>
+          </a:ln>
         </p:spPr>
         <p:style>
           <a:lnRef idx="2">
@@ -5944,239 +6394,75 @@
           <a:lstStyle/>
           <a:p>
             <a:pPr algn="ctr"/>
-            <a:r>
-              <a:rPr lang="zh-CN" altLang="en-US" sz="1400" dirty="0" smtClean="0">
+            <a:endParaRPr lang="zh-CN" altLang="en-US"/>
+          </a:p>
+        </p:txBody>
+      </p:sp>
+      <p:sp>
+        <p:nvSpPr>
+          <p:cNvPr id="10" name="矩形 9"/>
+          <p:cNvSpPr/>
+          <p:nvPr/>
+        </p:nvSpPr>
+        <p:spPr>
+          <a:xfrm>
+            <a:off x="941070" y="2781300"/>
+            <a:ext cx="5787390" cy="586740"/>
+          </a:xfrm>
+          <a:prstGeom prst="rect">
+            <a:avLst/>
+          </a:prstGeom>
+          <a:noFill/>
+          <a:ln>
+            <a:noFill/>
+          </a:ln>
+        </p:spPr>
+        <p:style>
+          <a:lnRef idx="2">
+            <a:schemeClr val="accent1">
+              <a:shade val="50000"/>
+            </a:schemeClr>
+          </a:lnRef>
+          <a:fillRef idx="1">
+            <a:schemeClr val="accent1"/>
+          </a:fillRef>
+          <a:effectRef idx="0">
+            <a:schemeClr val="accent1"/>
+          </a:effectRef>
+          <a:fontRef idx="minor">
+            <a:schemeClr val="lt1"/>
+          </a:fontRef>
+        </p:style>
+        <p:txBody>
+          <a:bodyPr rtlCol="0" anchor="ctr"/>
+          <a:lstStyle/>
+          <a:p>
+            <a:pPr algn="ctr"/>
+            <a:r>
+              <a:rPr lang="zh-CN" altLang="en-US" dirty="0" smtClean="0">
                 <a:solidFill>
-                  <a:schemeClr val="tx1"/>
+                  <a:srgbClr val="067AE4"/>
                 </a:solidFill>
               </a:rPr>
-              <a:t>东北（</a:t>
-            </a:r>
-            <a:r>
-              <a:rPr lang="en-US" altLang="zh-CN" sz="1400" dirty="0" smtClean="0">
-                <a:solidFill>
-                  <a:schemeClr val="tx1"/>
-                </a:solidFill>
-              </a:rPr>
-              <a:t>24</a:t>
-            </a:r>
-            <a:r>
-              <a:rPr lang="zh-CN" altLang="en-US" sz="1400" dirty="0" smtClean="0">
-                <a:solidFill>
-                  <a:schemeClr val="tx1"/>
-                </a:solidFill>
-              </a:rPr>
-              <a:t>）</a:t>
-            </a:r>
-            <a:endParaRPr lang="en-US" altLang="zh-CN" sz="1400" dirty="0" smtClean="0">
+              <a:t>最热话题、最新话题</a:t>
+            </a:r>
+            <a:endParaRPr lang="zh-CN" altLang="en-US" dirty="0">
               <a:solidFill>
-                <a:schemeClr val="tx1"/>
+                <a:srgbClr val="067AE4"/>
               </a:solidFill>
             </a:endParaRPr>
           </a:p>
-          <a:p>
-            <a:pPr algn="ctr"/>
-            <a:r>
-              <a:rPr lang="zh-CN" altLang="en-US" sz="1400" dirty="0" smtClean="0">
-                <a:solidFill>
-                  <a:schemeClr val="tx1"/>
-                </a:solidFill>
-              </a:rPr>
-              <a:t>华中（</a:t>
-            </a:r>
-            <a:r>
-              <a:rPr lang="en-US" altLang="zh-CN" sz="1400" dirty="0" smtClean="0">
-                <a:solidFill>
-                  <a:schemeClr val="tx1"/>
-                </a:solidFill>
-              </a:rPr>
-              <a:t>19</a:t>
-            </a:r>
-            <a:r>
-              <a:rPr lang="zh-CN" altLang="en-US" sz="1400" dirty="0" smtClean="0">
-                <a:solidFill>
-                  <a:schemeClr val="tx1"/>
-                </a:solidFill>
-              </a:rPr>
-              <a:t>）</a:t>
-            </a:r>
-            <a:endParaRPr lang="en-US" altLang="zh-CN" sz="1400" dirty="0" smtClean="0">
-              <a:solidFill>
-                <a:schemeClr val="tx1"/>
-              </a:solidFill>
-            </a:endParaRPr>
-          </a:p>
-          <a:p>
-            <a:pPr algn="ctr"/>
-            <a:r>
-              <a:rPr lang="zh-CN" altLang="en-US" sz="1400" dirty="0" smtClean="0">
-                <a:solidFill>
-                  <a:schemeClr val="tx1"/>
-                </a:solidFill>
-              </a:rPr>
-              <a:t>华东（</a:t>
-            </a:r>
-            <a:r>
-              <a:rPr lang="en-US" altLang="zh-CN" sz="1400" dirty="0" smtClean="0">
-                <a:solidFill>
-                  <a:schemeClr val="tx1"/>
-                </a:solidFill>
-              </a:rPr>
-              <a:t>11</a:t>
-            </a:r>
-            <a:r>
-              <a:rPr lang="zh-CN" altLang="en-US" sz="1400" dirty="0" smtClean="0">
-                <a:solidFill>
-                  <a:schemeClr val="tx1"/>
-                </a:solidFill>
-              </a:rPr>
-              <a:t>）</a:t>
-            </a:r>
-            <a:endParaRPr lang="en-US" altLang="zh-CN" sz="1400" dirty="0" smtClean="0">
-              <a:solidFill>
-                <a:schemeClr val="tx1"/>
-              </a:solidFill>
-            </a:endParaRPr>
-          </a:p>
-          <a:p>
-            <a:pPr algn="ctr"/>
-            <a:r>
-              <a:rPr lang="zh-CN" altLang="en-US" sz="1400" dirty="0" smtClean="0">
-                <a:solidFill>
-                  <a:schemeClr val="tx1"/>
-                </a:solidFill>
-              </a:rPr>
-              <a:t>华南（</a:t>
-            </a:r>
-            <a:r>
-              <a:rPr lang="en-US" altLang="zh-CN" sz="1400" dirty="0" smtClean="0">
-                <a:solidFill>
-                  <a:schemeClr val="tx1"/>
-                </a:solidFill>
-              </a:rPr>
-              <a:t>45</a:t>
-            </a:r>
-            <a:r>
-              <a:rPr lang="zh-CN" altLang="en-US" sz="1400" dirty="0" smtClean="0">
-                <a:solidFill>
-                  <a:schemeClr val="tx1"/>
-                </a:solidFill>
-              </a:rPr>
-              <a:t>）</a:t>
-            </a:r>
-            <a:endParaRPr lang="en-US" altLang="zh-CN" sz="1400" dirty="0" smtClean="0">
-              <a:solidFill>
-                <a:schemeClr val="tx1"/>
-              </a:solidFill>
-            </a:endParaRPr>
-          </a:p>
-          <a:p>
-            <a:pPr algn="ctr"/>
-            <a:r>
-              <a:rPr lang="zh-CN" altLang="en-US" sz="1400" dirty="0" smtClean="0">
-                <a:solidFill>
-                  <a:schemeClr val="tx1"/>
-                </a:solidFill>
-              </a:rPr>
-              <a:t>华北（</a:t>
-            </a:r>
-            <a:r>
-              <a:rPr lang="en-US" altLang="zh-CN" sz="1400" dirty="0" smtClean="0">
-                <a:solidFill>
-                  <a:schemeClr val="tx1"/>
-                </a:solidFill>
-              </a:rPr>
-              <a:t>11</a:t>
-            </a:r>
-            <a:r>
-              <a:rPr lang="zh-CN" altLang="en-US" sz="1400" dirty="0" smtClean="0">
-                <a:solidFill>
-                  <a:schemeClr val="tx1"/>
-                </a:solidFill>
-              </a:rPr>
-              <a:t>）</a:t>
-            </a:r>
-            <a:endParaRPr lang="en-US" altLang="zh-CN" sz="1400" dirty="0" smtClean="0">
-              <a:solidFill>
-                <a:schemeClr val="tx1"/>
-              </a:solidFill>
-            </a:endParaRPr>
-          </a:p>
-          <a:p>
-            <a:pPr algn="ctr"/>
-            <a:r>
-              <a:rPr lang="zh-CN" altLang="en-US" sz="1400" dirty="0" smtClean="0">
-                <a:solidFill>
-                  <a:schemeClr val="tx1"/>
-                </a:solidFill>
-              </a:rPr>
-              <a:t>西南（</a:t>
-            </a:r>
-            <a:r>
-              <a:rPr lang="en-US" altLang="zh-CN" sz="1400" dirty="0" smtClean="0">
-                <a:solidFill>
-                  <a:schemeClr val="tx1"/>
-                </a:solidFill>
-              </a:rPr>
-              <a:t>56</a:t>
-            </a:r>
-            <a:r>
-              <a:rPr lang="zh-CN" altLang="en-US" sz="1400" dirty="0" smtClean="0">
-                <a:solidFill>
-                  <a:schemeClr val="tx1"/>
-                </a:solidFill>
-              </a:rPr>
-              <a:t>）</a:t>
-            </a:r>
-            <a:endParaRPr lang="en-US" altLang="zh-CN" sz="1400" dirty="0" smtClean="0">
-              <a:solidFill>
-                <a:schemeClr val="tx1"/>
-              </a:solidFill>
-            </a:endParaRPr>
-          </a:p>
-          <a:p>
-            <a:pPr algn="ctr"/>
-            <a:r>
-              <a:rPr lang="zh-CN" altLang="en-US" sz="1400" dirty="0" smtClean="0">
-                <a:solidFill>
-                  <a:schemeClr val="tx1"/>
-                </a:solidFill>
-              </a:rPr>
-              <a:t>西北（</a:t>
-            </a:r>
-            <a:r>
-              <a:rPr lang="en-US" altLang="zh-CN" sz="1400" dirty="0" smtClean="0">
-                <a:solidFill>
-                  <a:schemeClr val="tx1"/>
-                </a:solidFill>
-              </a:rPr>
-              <a:t>11</a:t>
-            </a:r>
-            <a:r>
-              <a:rPr lang="zh-CN" altLang="en-US" sz="1400" dirty="0" smtClean="0">
-                <a:solidFill>
-                  <a:schemeClr val="tx1"/>
-                </a:solidFill>
-              </a:rPr>
-              <a:t>）</a:t>
-            </a:r>
-            <a:endParaRPr lang="zh-CN" altLang="en-US" sz="1400" dirty="0">
-              <a:solidFill>
-                <a:schemeClr val="tx1"/>
-              </a:solidFill>
-            </a:endParaRPr>
-          </a:p>
-        </p:txBody>
-      </p:sp>
-      <p:sp>
-        <p:nvSpPr>
-          <p:cNvPr id="8" name="单圆角矩形 7"/>
+        </p:txBody>
+      </p:sp>
+      <p:sp>
+        <p:nvSpPr>
+          <p:cNvPr id="11" name="单圆角矩形 10"/>
           <p:cNvSpPr/>
           <p:nvPr/>
         </p:nvSpPr>
         <p:spPr>
           <a:xfrm>
-            <a:off x="830580" y="2217420"/>
+            <a:off x="836295" y="3474720"/>
             <a:ext cx="1310640" cy="449580"/>
           </a:xfrm>
           <a:prstGeom prst="snipRoundRect">
@@ -6225,20 +6511,12 @@
           <a:p>
             <a:pPr algn="ctr"/>
             <a:r>
-              <a:rPr lang="zh-CN" altLang="en-US" dirty="0">
-                <a:solidFill>
-                  <a:schemeClr val="tx1"/>
-                </a:solidFill>
-              </a:rPr>
-              <a:t>自</a:t>
-            </a:r>
-            <a:r>
               <a:rPr lang="zh-CN" altLang="en-US" dirty="0" smtClean="0">
                 <a:solidFill>
                   <a:schemeClr val="tx1"/>
                 </a:solidFill>
               </a:rPr>
-              <a:t>驾热点</a:t>
+              <a:t>最新旅程</a:t>
             </a:r>
             <a:endParaRPr lang="zh-CN" altLang="en-US" dirty="0">
               <a:solidFill>
@@ -6250,13 +6528,13 @@
       </p:sp>
       <p:sp>
         <p:nvSpPr>
-          <p:cNvPr id="9" name="矩形 8"/>
+          <p:cNvPr id="12" name="矩形 11"/>
           <p:cNvSpPr/>
           <p:nvPr/>
         </p:nvSpPr>
         <p:spPr>
           <a:xfrm>
-            <a:off x="731520" y="2667000"/>
+            <a:off x="676275" y="3924300"/>
             <a:ext cx="6195060" cy="45719"/>
           </a:xfrm>
           <a:prstGeom prst="rect">
@@ -6310,201 +6588,13 @@
       </p:sp>
       <p:sp>
         <p:nvSpPr>
-          <p:cNvPr id="10" name="矩形 9"/>
-          <p:cNvSpPr/>
-          <p:nvPr/>
-        </p:nvSpPr>
-        <p:spPr>
-          <a:xfrm>
-            <a:off x="941070" y="2781300"/>
-            <a:ext cx="5787390" cy="586740"/>
-          </a:xfrm>
-          <a:prstGeom prst="rect">
-            <a:avLst/>
-          </a:prstGeom>
-          <a:noFill/>
-          <a:ln>
-            <a:noFill/>
-          </a:ln>
-        </p:spPr>
-        <p:style>
-          <a:lnRef idx="2">
-            <a:schemeClr val="accent1">
-              <a:shade val="50000"/>
-            </a:schemeClr>
-          </a:lnRef>
-          <a:fillRef idx="1">
-            <a:schemeClr val="accent1"/>
-          </a:fillRef>
-          <a:effectRef idx="0">
-            <a:schemeClr val="accent1"/>
-          </a:effectRef>
-          <a:fontRef idx="minor">
-            <a:schemeClr val="lt1"/>
-          </a:fontRef>
-        </p:style>
-        <p:txBody>
-          <a:bodyPr rtlCol="0" anchor="ctr"/>
-          <a:lstStyle/>
-          <a:p>
-            <a:pPr algn="ctr"/>
-            <a:r>
-              <a:rPr lang="zh-CN" altLang="en-US" dirty="0" smtClean="0">
-                <a:solidFill>
-                  <a:srgbClr val="067AE4"/>
-                </a:solidFill>
-              </a:rPr>
-              <a:t>最热话题、最新话题</a:t>
-            </a:r>
-            <a:endParaRPr lang="zh-CN" altLang="en-US" dirty="0">
-              <a:solidFill>
-                <a:srgbClr val="067AE4"/>
-              </a:solidFill>
-            </a:endParaRPr>
-          </a:p>
-        </p:txBody>
-      </p:sp>
-      <p:sp>
-        <p:nvSpPr>
-          <p:cNvPr id="11" name="单圆角矩形 10"/>
-          <p:cNvSpPr/>
-          <p:nvPr/>
-        </p:nvSpPr>
-        <p:spPr>
-          <a:xfrm>
-            <a:off x="836295" y="3474720"/>
-            <a:ext cx="1310640" cy="449580"/>
-          </a:xfrm>
-          <a:prstGeom prst="snipRoundRect">
-            <a:avLst/>
-          </a:prstGeom>
-          <a:gradFill>
-            <a:gsLst>
-              <a:gs pos="0">
-                <a:srgbClr val="8488C4"/>
-              </a:gs>
-              <a:gs pos="53000">
-                <a:srgbClr val="D4DEFF"/>
-              </a:gs>
-              <a:gs pos="83000">
-                <a:srgbClr val="D4DEFF"/>
-              </a:gs>
-              <a:gs pos="100000">
-                <a:srgbClr val="96AB94"/>
-              </a:gs>
-            </a:gsLst>
-            <a:lin ang="5400000" scaled="0"/>
-          </a:gradFill>
-          <a:ln>
-            <a:noFill/>
-          </a:ln>
-        </p:spPr>
-        <p:style>
-          <a:lnRef idx="2">
-            <a:schemeClr val="accent1">
-              <a:shade val="50000"/>
-            </a:schemeClr>
-          </a:lnRef>
-          <a:fillRef idx="1">
-            <a:schemeClr val="accent1"/>
-          </a:fillRef>
-          <a:effectRef idx="0">
-            <a:schemeClr val="accent1"/>
-          </a:effectRef>
-          <a:fontRef idx="minor">
-            <a:schemeClr val="lt1"/>
-          </a:fontRef>
-        </p:style>
-        <p:txBody>
-          <a:bodyPr rtlCol="0" anchor="ctr"/>
-          <a:lstStyle/>
-          <a:p>
-            <a:pPr algn="ctr"/>
-            <a:r>
-              <a:rPr lang="zh-CN" altLang="en-US" dirty="0" smtClean="0">
-                <a:solidFill>
-                  <a:schemeClr val="tx1"/>
-                </a:solidFill>
-              </a:rPr>
-              <a:t>最新行程</a:t>
-            </a:r>
-            <a:endParaRPr lang="zh-CN" altLang="en-US" dirty="0">
-              <a:solidFill>
-                <a:schemeClr val="tx1"/>
-              </a:solidFill>
-            </a:endParaRPr>
-          </a:p>
-        </p:txBody>
-      </p:sp>
-      <p:sp>
-        <p:nvSpPr>
-          <p:cNvPr id="12" name="矩形 11"/>
-          <p:cNvSpPr/>
-          <p:nvPr/>
-        </p:nvSpPr>
-        <p:spPr>
-          <a:xfrm>
-            <a:off x="676275" y="3924300"/>
-            <a:ext cx="6195060" cy="45719"/>
-          </a:xfrm>
-          <a:prstGeom prst="rect">
-            <a:avLst/>
-          </a:prstGeom>
-          <a:gradFill>
-            <a:gsLst>
-              <a:gs pos="0">
-                <a:srgbClr val="8488C4"/>
-              </a:gs>
-              <a:gs pos="53000">
-                <a:srgbClr val="D4DEFF"/>
-              </a:gs>
-              <a:gs pos="83000">
-                <a:srgbClr val="D4DEFF"/>
-              </a:gs>
-              <a:gs pos="100000">
-                <a:srgbClr val="96AB94"/>
-              </a:gs>
-            </a:gsLst>
-            <a:lin ang="5400000" scaled="0"/>
-          </a:gradFill>
-          <a:ln>
-            <a:noFill/>
-          </a:ln>
-        </p:spPr>
-        <p:style>
-          <a:lnRef idx="2">
-            <a:schemeClr val="accent1">
-              <a:shade val="50000"/>
-            </a:schemeClr>
-          </a:lnRef>
-          <a:fillRef idx="1">
-            <a:schemeClr val="accent1"/>
-          </a:fillRef>
-          <a:effectRef idx="0">
-            <a:schemeClr val="accent1"/>
-          </a:effectRef>
-          <a:fontRef idx="minor">
-            <a:schemeClr val="lt1"/>
-          </a:fontRef>
-        </p:style>
-        <p:txBody>
-          <a:bodyPr rtlCol="0" anchor="ctr"/>
-          <a:lstStyle/>
-          <a:p>
-            <a:pPr algn="ctr"/>
-            <a:endParaRPr lang="zh-CN" altLang="en-US"/>
-          </a:p>
-        </p:txBody>
-      </p:sp>
-      <p:sp>
-        <p:nvSpPr>
           <p:cNvPr id="13" name="圆角矩形 12"/>
           <p:cNvSpPr/>
           <p:nvPr/>
         </p:nvSpPr>
         <p:spPr>
           <a:xfrm>
-            <a:off x="7025640" y="2442210"/>
+            <a:off x="7067550" y="530180"/>
             <a:ext cx="1409700" cy="445770"/>
           </a:xfrm>
           <a:prstGeom prst="roundRect">
@@ -6598,7 +6688,7 @@
         </p:nvSpPr>
         <p:spPr>
           <a:xfrm>
-            <a:off x="7025640" y="3505199"/>
+            <a:off x="7067550" y="1593169"/>
             <a:ext cx="1409700" cy="445770"/>
           </a:xfrm>
           <a:prstGeom prst="roundRect">
@@ -6692,7 +6782,7 @@
         </p:nvSpPr>
         <p:spPr>
           <a:xfrm>
-            <a:off x="7025640" y="2933700"/>
+            <a:off x="7067550" y="1021670"/>
             <a:ext cx="1409700" cy="445770"/>
           </a:xfrm>
           <a:prstGeom prst="roundRect">
@@ -6786,7 +6876,7 @@
         </p:nvSpPr>
         <p:spPr>
           <a:xfrm>
-            <a:off x="7025640" y="4004308"/>
+            <a:off x="7067550" y="2092278"/>
             <a:ext cx="1409700" cy="445770"/>
           </a:xfrm>
           <a:prstGeom prst="roundRect">
@@ -7195,7 +7285,7 @@
         </p:nvGrpSpPr>
         <p:grpSpPr>
           <a:xfrm>
-            <a:off x="7006590" y="4526280"/>
+            <a:off x="7048500" y="2614250"/>
             <a:ext cx="1409700" cy="1097280"/>
             <a:chOff x="7006590" y="4526280"/>
             <a:chExt cx="1409700" cy="1097280"/>
@@ -7642,7 +7732,7 @@
         </p:nvSpPr>
         <p:spPr>
           <a:xfrm>
-            <a:off x="8008620" y="5276850"/>
+            <a:off x="8050530" y="3364820"/>
             <a:ext cx="320040" cy="346710"/>
           </a:xfrm>
           <a:prstGeom prst="roundRect">
@@ -8752,7 +8842,47 @@
                 <a:latin typeface="华文新魏" pitchFamily="2" charset="-122"/>
                 <a:ea typeface="华文新魏" pitchFamily="2" charset="-122"/>
               </a:rPr>
-              <a:t>首页     自驾线路     自驾旅程    自驾话题  自驾车辆英雄榜                        登录</a:t>
+              <a:t>首页     自驾线路     自驾旅程    自</a:t>
+            </a:r>
+            <a:r>
+              <a:rPr lang="zh-CN" altLang="en-US" sz="1600" dirty="0" smtClean="0">
+                <a:solidFill>
+                  <a:schemeClr val="tx1"/>
+                </a:solidFill>
+                <a:latin typeface="华文新魏" pitchFamily="2" charset="-122"/>
+                <a:ea typeface="华文新魏" pitchFamily="2" charset="-122"/>
+              </a:rPr>
+              <a:t>驾活动  </a:t>
+            </a:r>
+            <a:r>
+              <a:rPr lang="zh-CN" altLang="en-US" sz="1600" dirty="0" smtClean="0">
+                <a:solidFill>
+                  <a:schemeClr val="tx1"/>
+                </a:solidFill>
+                <a:latin typeface="华文新魏" pitchFamily="2" charset="-122"/>
+                <a:ea typeface="华文新魏" pitchFamily="2" charset="-122"/>
+              </a:rPr>
+              <a:t>自驾车</a:t>
+            </a:r>
+            <a:r>
+              <a:rPr lang="zh-CN" altLang="en-US" sz="1600" dirty="0" smtClean="0">
+                <a:solidFill>
+                  <a:schemeClr val="tx1"/>
+                </a:solidFill>
+                <a:latin typeface="华文新魏" pitchFamily="2" charset="-122"/>
+                <a:ea typeface="华文新魏" pitchFamily="2" charset="-122"/>
+              </a:rPr>
+              <a:t>辆                        </a:t>
+            </a:r>
+            <a:r>
+              <a:rPr lang="zh-CN" altLang="en-US" sz="1600" dirty="0" smtClean="0">
+                <a:solidFill>
+                  <a:schemeClr val="tx1"/>
+                </a:solidFill>
+                <a:latin typeface="华文新魏" pitchFamily="2" charset="-122"/>
+                <a:ea typeface="华文新魏" pitchFamily="2" charset="-122"/>
+              </a:rPr>
+              <a:t>登录</a:t>
             </a:r>
             <a:endParaRPr lang="zh-CN" altLang="en-US" sz="1600" dirty="0">
               <a:solidFill>
@@ -11818,7 +11948,27 @@
                 <a:latin typeface="华文新魏" pitchFamily="2" charset="-122"/>
                 <a:ea typeface="华文新魏" pitchFamily="2" charset="-122"/>
               </a:rPr>
-              <a:t>首页     自驾线路     自驾旅程    自驾话题                                 登录</a:t>
+              <a:t>首页     自驾线路     自驾旅程    自</a:t>
+            </a:r>
+            <a:r>
+              <a:rPr lang="zh-CN" altLang="en-US" sz="1600" dirty="0" smtClean="0">
+                <a:solidFill>
+                  <a:schemeClr val="tx1"/>
+                </a:solidFill>
+                <a:latin typeface="华文新魏" pitchFamily="2" charset="-122"/>
+                <a:ea typeface="华文新魏" pitchFamily="2" charset="-122"/>
+              </a:rPr>
+              <a:t>驾活动                                 </a:t>
+            </a:r>
+            <a:r>
+              <a:rPr lang="zh-CN" altLang="en-US" sz="1600" dirty="0" smtClean="0">
+                <a:solidFill>
+                  <a:schemeClr val="tx1"/>
+                </a:solidFill>
+                <a:latin typeface="华文新魏" pitchFamily="2" charset="-122"/>
+                <a:ea typeface="华文新魏" pitchFamily="2" charset="-122"/>
+              </a:rPr>
+              <a:t>登录</a:t>
             </a:r>
             <a:endParaRPr lang="zh-CN" altLang="en-US" sz="1600" dirty="0">
               <a:solidFill>
@@ -22778,7 +22928,7 @@
                   <a:schemeClr val="tx1"/>
                 </a:solidFill>
               </a:rPr>
-              <a:t>达人主页</a:t>
+              <a:t>主页</a:t>
             </a:r>
             <a:endParaRPr lang="zh-CN" altLang="en-US" sz="1200" b="1" dirty="0">
               <a:solidFill>
@@ -22946,7 +23096,7 @@
                   <a:schemeClr val="tx1"/>
                 </a:solidFill>
               </a:rPr>
-              <a:t>图片收藏</a:t>
+              <a:t>图片</a:t>
             </a:r>
             <a:endParaRPr lang="zh-CN" altLang="en-US" sz="1200" b="1" dirty="0">
               <a:solidFill>
@@ -23179,7 +23329,7 @@
                   <a:schemeClr val="tx1"/>
                 </a:solidFill>
               </a:rPr>
-              <a:t>动态</a:t>
+              <a:t>好友</a:t>
             </a:r>
             <a:endParaRPr lang="zh-CN" altLang="en-US" sz="1200" b="1" dirty="0">
               <a:solidFill>
@@ -23522,6 +23672,62 @@
               <a:t>按团队、时间、线路分类回忆图片</a:t>
             </a:r>
             <a:endParaRPr lang="zh-CN" altLang="en-US" sz="900" dirty="0">
+              <a:solidFill>
+                <a:schemeClr val="tx1"/>
+              </a:solidFill>
+            </a:endParaRPr>
+          </a:p>
+        </p:txBody>
+      </p:sp>
+      <p:sp>
+        <p:nvSpPr>
+          <p:cNvPr id="38" name="矩形 37"/>
+          <p:cNvSpPr/>
+          <p:nvPr/>
+        </p:nvSpPr>
+        <p:spPr>
+          <a:xfrm>
+            <a:off x="7267618" y="2374365"/>
+            <a:ext cx="837559" cy="299678"/>
+          </a:xfrm>
+          <a:prstGeom prst="rect">
+            <a:avLst/>
+          </a:prstGeom>
+          <a:noFill/>
+          <a:ln>
+            <a:noFill/>
+          </a:ln>
+        </p:spPr>
+        <p:style>
+          <a:lnRef idx="2">
+            <a:schemeClr val="accent1">
+              <a:shade val="50000"/>
+            </a:schemeClr>
+          </a:lnRef>
+          <a:fillRef idx="1">
+            <a:schemeClr val="accent1"/>
+          </a:fillRef>
+          <a:effectRef idx="0">
+            <a:schemeClr val="accent1"/>
+          </a:effectRef>
+          <a:fontRef idx="minor">
+            <a:schemeClr val="lt1"/>
+          </a:fontRef>
+        </p:style>
+        <p:txBody>
+          <a:bodyPr rtlCol="0" anchor="ctr"/>
+          <a:lstStyle/>
+          <a:p>
+            <a:pPr algn="ctr"/>
+            <a:r>
+              <a:rPr lang="zh-CN" altLang="en-US" sz="1200" b="1" dirty="0" smtClean="0">
+                <a:solidFill>
+                  <a:schemeClr val="tx1"/>
+                </a:solidFill>
+              </a:rPr>
+              <a:t>消息</a:t>
+            </a:r>
+            <a:endParaRPr lang="zh-CN" altLang="en-US" sz="1200" b="1" dirty="0">
               <a:solidFill>
                 <a:schemeClr val="tx1"/>
               </a:solidFill>

--- a/docs/17zjy��վ�������.pptx
+++ b/docs/17zjy��վ�������.pptx
@@ -300,7 +300,7 @@
               <a:pPr>
                 <a:defRPr/>
               </a:pPr>
-              <a:t>2012-05-05</a:t>
+              <a:t>2012-07-19</a:t>
             </a:fld>
             <a:endParaRPr lang="en-US" altLang="zh-CN"/>
           </a:p>
@@ -1036,7 +1036,7 @@
               <a:pPr>
                 <a:defRPr/>
               </a:pPr>
-              <a:t>2012-05-05</a:t>
+              <a:t>2012-07-19</a:t>
             </a:fld>
             <a:endParaRPr lang="en-US" altLang="zh-CN"/>
           </a:p>
@@ -1223,7 +1223,7 @@
               <a:pPr>
                 <a:defRPr/>
               </a:pPr>
-              <a:t>2012-05-05</a:t>
+              <a:t>2012-07-19</a:t>
             </a:fld>
             <a:endParaRPr lang="en-US" altLang="zh-CN"/>
           </a:p>
@@ -1413,7 +1413,7 @@
               <a:pPr>
                 <a:defRPr/>
               </a:pPr>
-              <a:t>2012-05-05</a:t>
+              <a:t>2012-07-19</a:t>
             </a:fld>
             <a:endParaRPr lang="en-US" altLang="zh-CN"/>
           </a:p>
@@ -1607,7 +1607,7 @@
               <a:pPr>
                 <a:defRPr/>
               </a:pPr>
-              <a:t>2012-05-05</a:t>
+              <a:t>2012-07-19</a:t>
             </a:fld>
             <a:endParaRPr lang="en-US" altLang="zh-CN"/>
           </a:p>
@@ -1891,7 +1891,7 @@
               <a:pPr>
                 <a:defRPr/>
               </a:pPr>
-              <a:t>2012-05-05</a:t>
+              <a:t>2012-07-19</a:t>
             </a:fld>
             <a:endParaRPr lang="en-US" altLang="zh-CN"/>
           </a:p>
@@ -2254,7 +2254,7 @@
               <a:pPr>
                 <a:defRPr/>
               </a:pPr>
-              <a:t>2012-05-05</a:t>
+              <a:t>2012-07-19</a:t>
             </a:fld>
             <a:endParaRPr lang="en-US" altLang="zh-CN"/>
           </a:p>
@@ -2577,7 +2577,7 @@
               <a:pPr>
                 <a:defRPr/>
               </a:pPr>
-              <a:t>2012-05-05</a:t>
+              <a:t>2012-07-19</a:t>
             </a:fld>
             <a:endParaRPr lang="en-US" altLang="zh-CN"/>
           </a:p>
@@ -2819,7 +2819,7 @@
               <a:pPr>
                 <a:defRPr/>
               </a:pPr>
-              <a:t>2012-05-05</a:t>
+              <a:t>2012-07-19</a:t>
             </a:fld>
             <a:endParaRPr lang="en-US" altLang="zh-CN"/>
           </a:p>
@@ -2924,7 +2924,7 @@
               <a:pPr>
                 <a:defRPr/>
               </a:pPr>
-              <a:t>2012-05-05</a:t>
+              <a:t>2012-07-19</a:t>
             </a:fld>
             <a:endParaRPr lang="en-US" altLang="zh-CN"/>
           </a:p>
@@ -3227,7 +3227,7 @@
               <a:pPr>
                 <a:defRPr/>
               </a:pPr>
-              <a:t>2012-05-05</a:t>
+              <a:t>2012-07-19</a:t>
             </a:fld>
             <a:endParaRPr lang="en-US" altLang="zh-CN"/>
           </a:p>
@@ -3511,7 +3511,7 @@
               <a:pPr>
                 <a:defRPr/>
               </a:pPr>
-              <a:t>2012-05-05</a:t>
+              <a:t>2012-07-19</a:t>
             </a:fld>
             <a:endParaRPr lang="en-US" altLang="zh-CN"/>
           </a:p>
@@ -3736,7 +3736,7 @@
               <a:pPr>
                 <a:defRPr/>
               </a:pPr>
-              <a:t>2012-05-05</a:t>
+              <a:t>2012-07-19</a:t>
             </a:fld>
             <a:endParaRPr lang="en-US" altLang="zh-CN"/>
           </a:p>
@@ -5325,15 +5325,7 @@
                   <a:schemeClr val="tx1"/>
                 </a:solidFill>
               </a:rPr>
-              <a:t>同程</a:t>
-            </a:r>
-            <a:r>
-              <a:rPr lang="zh-CN" altLang="en-US" dirty="0" smtClean="0">
-                <a:solidFill>
-                  <a:schemeClr val="tx1"/>
-                </a:solidFill>
-              </a:rPr>
-              <a:t>团队</a:t>
+              <a:t>同程团队</a:t>
             </a:r>
             <a:endParaRPr lang="en-US" altLang="zh-CN" dirty="0" smtClean="0">
               <a:solidFill>
@@ -5779,15 +5771,7 @@
                   <a:schemeClr val="tx1"/>
                 </a:solidFill>
               </a:rPr>
-              <a:t>同</a:t>
-            </a:r>
-            <a:r>
-              <a:rPr lang="zh-CN" altLang="en-US" smtClean="0">
-                <a:solidFill>
-                  <a:schemeClr val="tx1"/>
-                </a:solidFill>
-              </a:rPr>
-              <a:t>程聚会</a:t>
+              <a:t>同程聚会</a:t>
             </a:r>
             <a:endParaRPr lang="en-US" altLang="zh-CN" dirty="0" smtClean="0">
               <a:solidFill>
@@ -5855,11 +5839,7 @@
             </a:r>
             <a:r>
               <a:rPr lang="zh-CN" altLang="en-US" dirty="0" smtClean="0"/>
-              <a:t>驾</a:t>
-            </a:r>
-            <a:r>
-              <a:rPr lang="zh-CN" altLang="en-US" dirty="0" smtClean="0"/>
-              <a:t>游活动广场</a:t>
+              <a:t>驾游活动广场</a:t>
             </a:r>
             <a:endParaRPr lang="zh-CN" altLang="en-US" dirty="0"/>
           </a:p>
@@ -8842,47 +8822,7 @@
                 <a:latin typeface="华文新魏" pitchFamily="2" charset="-122"/>
                 <a:ea typeface="华文新魏" pitchFamily="2" charset="-122"/>
               </a:rPr>
-              <a:t>首页     自驾线路     自驾旅程    自</a:t>
-            </a:r>
-            <a:r>
-              <a:rPr lang="zh-CN" altLang="en-US" sz="1600" dirty="0" smtClean="0">
-                <a:solidFill>
-                  <a:schemeClr val="tx1"/>
-                </a:solidFill>
-                <a:latin typeface="华文新魏" pitchFamily="2" charset="-122"/>
-                <a:ea typeface="华文新魏" pitchFamily="2" charset="-122"/>
-              </a:rPr>
-              <a:t>驾活动  </a:t>
-            </a:r>
-            <a:r>
-              <a:rPr lang="zh-CN" altLang="en-US" sz="1600" dirty="0" smtClean="0">
-                <a:solidFill>
-                  <a:schemeClr val="tx1"/>
-                </a:solidFill>
-                <a:latin typeface="华文新魏" pitchFamily="2" charset="-122"/>
-                <a:ea typeface="华文新魏" pitchFamily="2" charset="-122"/>
-              </a:rPr>
-              <a:t>自驾车</a:t>
-            </a:r>
-            <a:r>
-              <a:rPr lang="zh-CN" altLang="en-US" sz="1600" dirty="0" smtClean="0">
-                <a:solidFill>
-                  <a:schemeClr val="tx1"/>
-                </a:solidFill>
-                <a:latin typeface="华文新魏" pitchFamily="2" charset="-122"/>
-                <a:ea typeface="华文新魏" pitchFamily="2" charset="-122"/>
-              </a:rPr>
-              <a:t>辆                        </a:t>
-            </a:r>
-            <a:r>
-              <a:rPr lang="zh-CN" altLang="en-US" sz="1600" dirty="0" smtClean="0">
-                <a:solidFill>
-                  <a:schemeClr val="tx1"/>
-                </a:solidFill>
-                <a:latin typeface="华文新魏" pitchFamily="2" charset="-122"/>
-                <a:ea typeface="华文新魏" pitchFamily="2" charset="-122"/>
-              </a:rPr>
-              <a:t>登录</a:t>
+              <a:t>首页     自驾线路     自驾旅程    自驾活动  自驾车辆                        登录</a:t>
             </a:r>
             <a:endParaRPr lang="zh-CN" altLang="en-US" sz="1600" dirty="0">
               <a:solidFill>
@@ -11948,27 +11888,7 @@
                 <a:latin typeface="华文新魏" pitchFamily="2" charset="-122"/>
                 <a:ea typeface="华文新魏" pitchFamily="2" charset="-122"/>
               </a:rPr>
-              <a:t>首页     自驾线路     自驾旅程    自</a:t>
-            </a:r>
-            <a:r>
-              <a:rPr lang="zh-CN" altLang="en-US" sz="1600" dirty="0" smtClean="0">
-                <a:solidFill>
-                  <a:schemeClr val="tx1"/>
-                </a:solidFill>
-                <a:latin typeface="华文新魏" pitchFamily="2" charset="-122"/>
-                <a:ea typeface="华文新魏" pitchFamily="2" charset="-122"/>
-              </a:rPr>
-              <a:t>驾活动                                 </a:t>
-            </a:r>
-            <a:r>
-              <a:rPr lang="zh-CN" altLang="en-US" sz="1600" dirty="0" smtClean="0">
-                <a:solidFill>
-                  <a:schemeClr val="tx1"/>
-                </a:solidFill>
-                <a:latin typeface="华文新魏" pitchFamily="2" charset="-122"/>
-                <a:ea typeface="华文新魏" pitchFamily="2" charset="-122"/>
-              </a:rPr>
-              <a:t>登录</a:t>
+              <a:t>首页     自驾线路     自驾旅程    自驾活动                                 登录</a:t>
             </a:r>
             <a:endParaRPr lang="zh-CN" altLang="en-US" sz="1600" dirty="0">
               <a:solidFill>
